--- a/99-Material/Coding Dojo IV.pptx
+++ b/99-Material/Coding Dojo IV.pptx
@@ -3,22 +3,20 @@
 <p:presentation xmlns:a="http://schemas.openxmlformats.org/drawingml/2006/main" xmlns:r="http://schemas.openxmlformats.org/officeDocument/2006/relationships" xmlns:p="http://schemas.openxmlformats.org/presentationml/2006/main" saveSubsetFonts="1">
   <p:sldMasterIdLst>
     <p:sldMasterId id="2147483665" r:id="rId1"/>
-    <p:sldMasterId id="2147483730" r:id="rId2"/>
-    <p:sldMasterId id="2147483671" r:id="rId3"/>
-    <p:sldMasterId id="2147483741" r:id="rId4"/>
+    <p:sldMasterId id="2147483671" r:id="rId2"/>
   </p:sldMasterIdLst>
   <p:notesMasterIdLst>
-    <p:notesMasterId r:id="rId10"/>
+    <p:notesMasterId r:id="rId8"/>
   </p:notesMasterIdLst>
   <p:handoutMasterIdLst>
-    <p:handoutMasterId r:id="rId11"/>
+    <p:handoutMasterId r:id="rId9"/>
   </p:handoutMasterIdLst>
   <p:sldIdLst>
-    <p:sldId id="538" r:id="rId5"/>
-    <p:sldId id="558" r:id="rId6"/>
-    <p:sldId id="559" r:id="rId7"/>
-    <p:sldId id="560" r:id="rId8"/>
-    <p:sldId id="557" r:id="rId9"/>
+    <p:sldId id="538" r:id="rId3"/>
+    <p:sldId id="558" r:id="rId4"/>
+    <p:sldId id="559" r:id="rId5"/>
+    <p:sldId id="560" r:id="rId6"/>
+    <p:sldId id="557" r:id="rId7"/>
   </p:sldIdLst>
   <p:sldSz cx="12192000" cy="6858000"/>
   <p:notesSz cx="6858000" cy="9144000"/>
@@ -119,10 +117,10 @@
   </p:defaultTextStyle>
   <p:extLst>
     <p:ext uri="{EFAFB233-063F-42B5-8137-9DF3F51BA10A}">
-      <p15:sldGuideLst xmlns="" xmlns:p15="http://schemas.microsoft.com/office/powerpoint/2012/main"/>
+      <p15:sldGuideLst xmlns:p15="http://schemas.microsoft.com/office/powerpoint/2012/main" xmlns=""/>
     </p:ext>
     <p:ext uri="{2D200454-40CA-4A62-9FC3-DE9A4176ACB9}">
-      <p15:notesGuideLst xmlns="" xmlns:p15="http://schemas.microsoft.com/office/powerpoint/2012/main"/>
+      <p15:notesGuideLst xmlns:p15="http://schemas.microsoft.com/office/powerpoint/2012/main" xmlns=""/>
     </p:ext>
   </p:extLst>
 </p:presentation>
@@ -155,7 +153,7 @@
           <p:cNvPr id="2" name="Header Placeholder 1">
             <a:extLst>
               <a:ext uri="{FF2B5EF4-FFF2-40B4-BE49-F238E27FC236}">
-                <a16:creationId xmlns="" xmlns:a16="http://schemas.microsoft.com/office/drawing/2014/main" id="{ED8B6225-3E94-4525-8747-A8CEEE07C472}"/>
+                <a16:creationId xmlns:a16="http://schemas.microsoft.com/office/drawing/2014/main" xmlns="" id="{ED8B6225-3E94-4525-8747-A8CEEE07C472}"/>
               </a:ext>
             </a:extLst>
           </p:cNvPr>
@@ -192,7 +190,7 @@
           <p:cNvPr id="3" name="Date Placeholder 2">
             <a:extLst>
               <a:ext uri="{FF2B5EF4-FFF2-40B4-BE49-F238E27FC236}">
-                <a16:creationId xmlns="" xmlns:a16="http://schemas.microsoft.com/office/drawing/2014/main" id="{1EE33FD8-B984-44FE-83F0-5C989EE62491}"/>
+                <a16:creationId xmlns:a16="http://schemas.microsoft.com/office/drawing/2014/main" xmlns="" id="{1EE33FD8-B984-44FE-83F0-5C989EE62491}"/>
               </a:ext>
             </a:extLst>
           </p:cNvPr>
@@ -234,7 +232,7 @@
           <p:cNvPr id="4" name="Footer Placeholder 3">
             <a:extLst>
               <a:ext uri="{FF2B5EF4-FFF2-40B4-BE49-F238E27FC236}">
-                <a16:creationId xmlns="" xmlns:a16="http://schemas.microsoft.com/office/drawing/2014/main" id="{88AD1E4F-EFF7-4551-A0B7-35D2A74F4F4D}"/>
+                <a16:creationId xmlns:a16="http://schemas.microsoft.com/office/drawing/2014/main" xmlns="" id="{88AD1E4F-EFF7-4551-A0B7-35D2A74F4F4D}"/>
               </a:ext>
             </a:extLst>
           </p:cNvPr>
@@ -271,7 +269,7 @@
           <p:cNvPr id="5" name="Slide Number Placeholder 4">
             <a:extLst>
               <a:ext uri="{FF2B5EF4-FFF2-40B4-BE49-F238E27FC236}">
-                <a16:creationId xmlns="" xmlns:a16="http://schemas.microsoft.com/office/drawing/2014/main" id="{5C3F35C8-35E9-48DD-971F-B2366CC5B7DE}"/>
+                <a16:creationId xmlns:a16="http://schemas.microsoft.com/office/drawing/2014/main" xmlns="" id="{5C3F35C8-35E9-48DD-971F-B2366CC5B7DE}"/>
               </a:ext>
             </a:extLst>
           </p:cNvPr>
@@ -311,7 +309,7 @@
     </p:spTree>
     <p:extLst>
       <p:ext uri="{BB962C8B-B14F-4D97-AF65-F5344CB8AC3E}">
-        <p14:creationId xmlns="" xmlns:p14="http://schemas.microsoft.com/office/powerpoint/2010/main" val="3609307613"/>
+        <p14:creationId xmlns:p14="http://schemas.microsoft.com/office/powerpoint/2010/main" xmlns="" val="3609307613"/>
       </p:ext>
     </p:extLst>
   </p:cSld>
@@ -571,7 +569,7 @@
     </p:spTree>
     <p:extLst>
       <p:ext uri="{BB962C8B-B14F-4D97-AF65-F5344CB8AC3E}">
-        <p14:creationId xmlns="" xmlns:p14="http://schemas.microsoft.com/office/powerpoint/2010/main" val="1575338179"/>
+        <p14:creationId xmlns:p14="http://schemas.microsoft.com/office/powerpoint/2010/main" xmlns="" val="1575338179"/>
       </p:ext>
     </p:extLst>
   </p:cSld>
@@ -746,7 +744,7 @@
     </p:spTree>
     <p:extLst>
       <p:ext uri="{BB962C8B-B14F-4D97-AF65-F5344CB8AC3E}">
-        <p14:creationId xmlns="" xmlns:p14="http://schemas.microsoft.com/office/powerpoint/2010/main" val="430073107"/>
+        <p14:creationId xmlns:p14="http://schemas.microsoft.com/office/powerpoint/2010/main" xmlns="" val="430073107"/>
       </p:ext>
     </p:extLst>
   </p:cSld>
@@ -856,7 +854,7 @@
     </p:spTree>
     <p:extLst>
       <p:ext uri="{BB962C8B-B14F-4D97-AF65-F5344CB8AC3E}">
-        <p14:creationId xmlns="" xmlns:p14="http://schemas.microsoft.com/office/powerpoint/2010/main" val="3364604193"/>
+        <p14:creationId xmlns:p14="http://schemas.microsoft.com/office/powerpoint/2010/main" xmlns="" val="3364604193"/>
       </p:ext>
     </p:extLst>
   </p:cSld>
@@ -966,7 +964,7 @@
     </p:spTree>
     <p:extLst>
       <p:ext uri="{BB962C8B-B14F-4D97-AF65-F5344CB8AC3E}">
-        <p14:creationId xmlns="" xmlns:p14="http://schemas.microsoft.com/office/powerpoint/2010/main" val="16292684"/>
+        <p14:creationId xmlns:p14="http://schemas.microsoft.com/office/powerpoint/2010/main" xmlns="" val="16292684"/>
       </p:ext>
     </p:extLst>
   </p:cSld>
@@ -1076,7 +1074,7 @@
     </p:spTree>
     <p:extLst>
       <p:ext uri="{BB962C8B-B14F-4D97-AF65-F5344CB8AC3E}">
-        <p14:creationId xmlns="" xmlns:p14="http://schemas.microsoft.com/office/powerpoint/2010/main" val="4163168961"/>
+        <p14:creationId xmlns:p14="http://schemas.microsoft.com/office/powerpoint/2010/main" xmlns="" val="4163168961"/>
       </p:ext>
     </p:extLst>
   </p:cSld>
@@ -1154,7 +1152,7 @@
           <p:cNvPr id="6" name="Graphic 17">
             <a:extLst>
               <a:ext uri="{FF2B5EF4-FFF2-40B4-BE49-F238E27FC236}">
-                <a16:creationId xmlns="" xmlns:a16="http://schemas.microsoft.com/office/drawing/2014/main" id="{829BBBD1-ECF6-4131-A3B0-11EFC39DB482}"/>
+                <a16:creationId xmlns:a16="http://schemas.microsoft.com/office/drawing/2014/main" xmlns="" id="{829BBBD1-ECF6-4131-A3B0-11EFC39DB482}"/>
               </a:ext>
             </a:extLst>
           </p:cNvPr>
@@ -1167,7 +1165,7 @@
           <a:blip r:embed="rId2" cstate="print">
             <a:extLst>
               <a:ext uri="{96DAC541-7B7A-43D3-8B79-37D633B846F1}">
-                <asvg:svgBlip xmlns="" xmlns:asvg="http://schemas.microsoft.com/office/drawing/2016/SVG/main" r:embed="rId3"/>
+                <asvg:svgBlip xmlns:asvg="http://schemas.microsoft.com/office/drawing/2016/SVG/main" xmlns="" r:embed="rId3"/>
               </a:ext>
             </a:extLst>
           </a:blip>
@@ -1189,7 +1187,7 @@
           <p:cNvPr id="5" name="Graphic 9">
             <a:extLst>
               <a:ext uri="{FF2B5EF4-FFF2-40B4-BE49-F238E27FC236}">
-                <a16:creationId xmlns="" xmlns:a16="http://schemas.microsoft.com/office/drawing/2014/main" id="{C3D2EC56-D17C-4A75-8178-C69397BC7353}"/>
+                <a16:creationId xmlns:a16="http://schemas.microsoft.com/office/drawing/2014/main" xmlns="" id="{C3D2EC56-D17C-4A75-8178-C69397BC7353}"/>
               </a:ext>
             </a:extLst>
           </p:cNvPr>
@@ -1202,7 +1200,7 @@
           <a:blip r:embed="rId4" cstate="print">
             <a:extLst>
               <a:ext uri="{96DAC541-7B7A-43D3-8B79-37D633B846F1}">
-                <asvg:svgBlip xmlns="" xmlns:asvg="http://schemas.microsoft.com/office/drawing/2016/SVG/main" r:embed="rId5"/>
+                <asvg:svgBlip xmlns:asvg="http://schemas.microsoft.com/office/drawing/2016/SVG/main" xmlns="" r:embed="rId5"/>
               </a:ext>
             </a:extLst>
           </a:blip>
@@ -1225,7 +1223,7 @@
           <p:cNvPr id="14" name="Text Placeholder 13">
             <a:extLst>
               <a:ext uri="{FF2B5EF4-FFF2-40B4-BE49-F238E27FC236}">
-                <a16:creationId xmlns="" xmlns:a16="http://schemas.microsoft.com/office/drawing/2014/main" id="{4252348C-45B4-48E3-B74B-8E834575C8AA}"/>
+                <a16:creationId xmlns:a16="http://schemas.microsoft.com/office/drawing/2014/main" xmlns="" id="{4252348C-45B4-48E3-B74B-8E834575C8AA}"/>
               </a:ext>
             </a:extLst>
           </p:cNvPr>
@@ -1272,7 +1270,7 @@
           <p:cNvPr id="15" name="Text Placeholder 13">
             <a:extLst>
               <a:ext uri="{FF2B5EF4-FFF2-40B4-BE49-F238E27FC236}">
-                <a16:creationId xmlns="" xmlns:a16="http://schemas.microsoft.com/office/drawing/2014/main" id="{97620309-84FF-4D53-AD39-936B55216B4B}"/>
+                <a16:creationId xmlns:a16="http://schemas.microsoft.com/office/drawing/2014/main" xmlns="" id="{97620309-84FF-4D53-AD39-936B55216B4B}"/>
               </a:ext>
             </a:extLst>
           </p:cNvPr>
@@ -1317,7 +1315,7 @@
     </p:spTree>
     <p:extLst>
       <p:ext uri="{BB962C8B-B14F-4D97-AF65-F5344CB8AC3E}">
-        <p14:creationId xmlns="" xmlns:p14="http://schemas.microsoft.com/office/powerpoint/2010/main" val="548120081"/>
+        <p14:creationId xmlns:p14="http://schemas.microsoft.com/office/powerpoint/2010/main" xmlns="" val="548120081"/>
       </p:ext>
     </p:extLst>
   </p:cSld>
@@ -1349,7 +1347,7 @@
           <p:cNvPr id="3" name="Retângulo 43">
             <a:extLst>
               <a:ext uri="{FF2B5EF4-FFF2-40B4-BE49-F238E27FC236}">
-                <a16:creationId xmlns="" xmlns:a16="http://schemas.microsoft.com/office/drawing/2014/main" id="{25FC8637-25BD-4C09-AF25-56B4243DAB3D}"/>
+                <a16:creationId xmlns:a16="http://schemas.microsoft.com/office/drawing/2014/main" xmlns="" id="{25FC8637-25BD-4C09-AF25-56B4243DAB3D}"/>
               </a:ext>
             </a:extLst>
           </p:cNvPr>
@@ -1400,7 +1398,7 @@
     </p:spTree>
     <p:extLst>
       <p:ext uri="{BB962C8B-B14F-4D97-AF65-F5344CB8AC3E}">
-        <p14:creationId xmlns="" xmlns:p14="http://schemas.microsoft.com/office/powerpoint/2010/main" val="3218085846"/>
+        <p14:creationId xmlns:p14="http://schemas.microsoft.com/office/powerpoint/2010/main" xmlns="" val="3218085846"/>
       </p:ext>
     </p:extLst>
   </p:cSld>
@@ -1411,457 +1409,6 @@
 </file>
 
 <file path=ppt/slideLayouts/slideLayout3.xml><?xml version="1.0" encoding="utf-8"?>
-<p:sldLayout xmlns:a="http://schemas.openxmlformats.org/drawingml/2006/main" xmlns:r="http://schemas.openxmlformats.org/officeDocument/2006/relationships" xmlns:p="http://schemas.openxmlformats.org/presentationml/2006/main" preserve="1" userDrawn="1">
-  <p:cSld name="Text with Filled Background">
-    <p:bg>
-      <p:bgPr>
-        <a:solidFill>
-          <a:schemeClr val="bg1"/>
-        </a:solidFill>
-        <a:effectLst/>
-      </p:bgPr>
-    </p:bg>
-    <p:spTree>
-      <p:nvGrpSpPr>
-        <p:cNvPr id="1" name=""/>
-        <p:cNvGrpSpPr/>
-        <p:nvPr/>
-      </p:nvGrpSpPr>
-      <p:grpSpPr>
-        <a:xfrm>
-          <a:off x="0" y="0"/>
-          <a:ext cx="0" cy="0"/>
-          <a:chOff x="0" y="0"/>
-          <a:chExt cx="0" cy="0"/>
-        </a:xfrm>
-      </p:grpSpPr>
-      <p:sp>
-        <p:nvSpPr>
-          <p:cNvPr id="2" name="Rectangle 1"/>
-          <p:cNvSpPr/>
-          <p:nvPr userDrawn="1"/>
-        </p:nvSpPr>
-        <p:spPr>
-          <a:xfrm>
-            <a:off x="0" y="0"/>
-            <a:ext cx="4439816" cy="6858000"/>
-          </a:xfrm>
-          <a:prstGeom prst="rect">
-            <a:avLst/>
-          </a:prstGeom>
-          <a:solidFill>
-            <a:schemeClr val="accent2"/>
-          </a:solidFill>
-          <a:ln>
-            <a:noFill/>
-          </a:ln>
-        </p:spPr>
-        <p:style>
-          <a:lnRef idx="2">
-            <a:schemeClr val="accent1">
-              <a:shade val="50000"/>
-            </a:schemeClr>
-          </a:lnRef>
-          <a:fillRef idx="1">
-            <a:schemeClr val="accent1"/>
-          </a:fillRef>
-          <a:effectRef idx="0">
-            <a:schemeClr val="accent1"/>
-          </a:effectRef>
-          <a:fontRef idx="minor">
-            <a:schemeClr val="lt1"/>
-          </a:fontRef>
-        </p:style>
-        <p:txBody>
-          <a:bodyPr rtlCol="0" anchor="ctr"/>
-          <a:lstStyle/>
-          <a:p>
-            <a:pPr algn="ctr"/>
-            <a:endParaRPr lang="en-US"/>
-          </a:p>
-        </p:txBody>
-      </p:sp>
-      <p:pic>
-        <p:nvPicPr>
-          <p:cNvPr id="4" name="Picture Placeholder 10">
-            <a:extLst>
-              <a:ext uri="{FF2B5EF4-FFF2-40B4-BE49-F238E27FC236}">
-                <a16:creationId xmlns="" xmlns:a16="http://schemas.microsoft.com/office/drawing/2014/main" id="{709E13E3-3323-4A67-80E2-F91981229839}"/>
-              </a:ext>
-            </a:extLst>
-          </p:cNvPr>
-          <p:cNvPicPr>
-            <a:picLocks noChangeAspect="1"/>
-          </p:cNvPicPr>
-          <p:nvPr userDrawn="1"/>
-        </p:nvPicPr>
-        <p:blipFill rotWithShape="1">
-          <a:blip r:embed="rId2" cstate="print">
-            <a:extLst>
-              <a:ext uri="{28A0092B-C50C-407E-A947-70E740481C1C}">
-                <a14:useLocalDpi xmlns="" xmlns:a14="http://schemas.microsoft.com/office/drawing/2010/main" val="0"/>
-              </a:ext>
-            </a:extLst>
-          </a:blip>
-          <a:srcRect l="2839" r="32420"/>
-          <a:stretch/>
-        </p:blipFill>
-        <p:spPr>
-          <a:xfrm>
-            <a:off x="4253790" y="-2148"/>
-            <a:ext cx="7938210" cy="6898276"/>
-          </a:xfrm>
-          <a:prstGeom prst="rect">
-            <a:avLst/>
-          </a:prstGeom>
-        </p:spPr>
-      </p:pic>
-      <p:sp>
-        <p:nvSpPr>
-          <p:cNvPr id="8" name="Text Placeholder 7">
-            <a:extLst>
-              <a:ext uri="{FF2B5EF4-FFF2-40B4-BE49-F238E27FC236}">
-                <a16:creationId xmlns="" xmlns:a16="http://schemas.microsoft.com/office/drawing/2014/main" id="{27CE2609-37DA-4C4C-BF45-E56CE85AA41D}"/>
-              </a:ext>
-            </a:extLst>
-          </p:cNvPr>
-          <p:cNvSpPr>
-            <a:spLocks noGrp="1"/>
-          </p:cNvSpPr>
-          <p:nvPr>
-            <p:ph type="body" sz="quarter" idx="10" hasCustomPrompt="1"/>
-          </p:nvPr>
-        </p:nvSpPr>
-        <p:spPr>
-          <a:xfrm>
-            <a:off x="407988" y="3068960"/>
-            <a:ext cx="6696124" cy="3375382"/>
-          </a:xfrm>
-          <a:prstGeom prst="rect">
-            <a:avLst/>
-          </a:prstGeom>
-        </p:spPr>
-        <p:txBody>
-          <a:bodyPr>
-            <a:noAutofit/>
-          </a:bodyPr>
-          <a:lstStyle>
-            <a:lvl1pPr>
-              <a:lnSpc>
-                <a:spcPts val="2000"/>
-              </a:lnSpc>
-              <a:spcAft>
-                <a:spcPts val="1800"/>
-              </a:spcAft>
-              <a:defRPr sz="1600">
-                <a:solidFill>
-                  <a:schemeClr val="bg1"/>
-                </a:solidFill>
-              </a:defRPr>
-            </a:lvl1pPr>
-            <a:lvl2pPr>
-              <a:lnSpc>
-                <a:spcPct val="100000"/>
-              </a:lnSpc>
-              <a:defRPr sz="1200"/>
-            </a:lvl2pPr>
-            <a:lvl3pPr>
-              <a:lnSpc>
-                <a:spcPct val="100000"/>
-              </a:lnSpc>
-              <a:defRPr sz="1200"/>
-            </a:lvl3pPr>
-            <a:lvl4pPr>
-              <a:lnSpc>
-                <a:spcPct val="100000"/>
-              </a:lnSpc>
-              <a:defRPr sz="1200"/>
-            </a:lvl4pPr>
-            <a:lvl5pPr>
-              <a:lnSpc>
-                <a:spcPct val="100000"/>
-              </a:lnSpc>
-              <a:defRPr sz="1200"/>
-            </a:lvl5pPr>
-          </a:lstStyle>
-          <a:p>
-            <a:pPr lvl="0"/>
-            <a:r>
-              <a:rPr lang="en-US" dirty="0"/>
-              <a:t>Click to insert long text</a:t>
-            </a:r>
-            <a:endParaRPr lang="pt-PT" dirty="0"/>
-          </a:p>
-        </p:txBody>
-      </p:sp>
-      <p:sp>
-        <p:nvSpPr>
-          <p:cNvPr id="10" name="Title Placeholder 1">
-            <a:extLst>
-              <a:ext uri="{FF2B5EF4-FFF2-40B4-BE49-F238E27FC236}">
-                <a16:creationId xmlns="" xmlns:a16="http://schemas.microsoft.com/office/drawing/2014/main" id="{57798370-07F4-412F-86CE-30C026EA6825}"/>
-              </a:ext>
-            </a:extLst>
-          </p:cNvPr>
-          <p:cNvSpPr>
-            <a:spLocks noGrp="1"/>
-          </p:cNvSpPr>
-          <p:nvPr>
-            <p:ph type="title" hasCustomPrompt="1"/>
-          </p:nvPr>
-        </p:nvSpPr>
-        <p:spPr>
-          <a:xfrm>
-            <a:off x="407988" y="2002973"/>
-            <a:ext cx="10044635" cy="859536"/>
-          </a:xfrm>
-          <a:prstGeom prst="rect">
-            <a:avLst/>
-          </a:prstGeom>
-        </p:spPr>
-        <p:txBody>
-          <a:bodyPr vert="horz" lIns="0" tIns="0" rIns="0" bIns="0" rtlCol="0" anchor="b">
-            <a:normAutofit/>
-          </a:bodyPr>
-          <a:lstStyle>
-            <a:lvl1pPr>
-              <a:defRPr lang="pt-PT" dirty="0">
-                <a:solidFill>
-                  <a:schemeClr val="bg1"/>
-                </a:solidFill>
-              </a:defRPr>
-            </a:lvl1pPr>
-          </a:lstStyle>
-          <a:p>
-            <a:pPr lvl="0">
-              <a:lnSpc>
-                <a:spcPts val="3000"/>
-              </a:lnSpc>
-            </a:pPr>
-            <a:r>
-              <a:rPr lang="en-US" dirty="0"/>
-              <a:t>Click to insert title</a:t>
-            </a:r>
-            <a:endParaRPr lang="pt-PT" dirty="0"/>
-          </a:p>
-        </p:txBody>
-      </p:sp>
-      <p:sp>
-        <p:nvSpPr>
-          <p:cNvPr id="6" name="Retângulo 43">
-            <a:extLst>
-              <a:ext uri="{FF2B5EF4-FFF2-40B4-BE49-F238E27FC236}">
-                <a16:creationId xmlns="" xmlns:a16="http://schemas.microsoft.com/office/drawing/2014/main" id="{25FC8637-25BD-4C09-AF25-56B4243DAB3D}"/>
-              </a:ext>
-            </a:extLst>
-          </p:cNvPr>
-          <p:cNvSpPr/>
-          <p:nvPr userDrawn="1"/>
-        </p:nvSpPr>
-        <p:spPr>
-          <a:xfrm>
-            <a:off x="11665391" y="6555758"/>
-            <a:ext cx="360997" cy="215444"/>
-          </a:xfrm>
-          <a:prstGeom prst="rect">
-            <a:avLst/>
-          </a:prstGeom>
-        </p:spPr>
-        <p:txBody>
-          <a:bodyPr wrap="none">
-            <a:spAutoFit/>
-          </a:bodyPr>
-          <a:lstStyle/>
-          <a:p>
-            <a:pPr algn="r"/>
-            <a:fld id="{0502E5A9-B53C-401E-A0E0-4A359BB0A9E5}" type="slidenum">
-              <a:rPr lang="en-US" sz="800" smtClean="0">
-                <a:solidFill>
-                  <a:schemeClr val="bg1"/>
-                </a:solidFill>
-                <a:cs typeface="Arial" panose="020B0604020202020204" pitchFamily="34" charset="0"/>
-              </a:rPr>
-              <a:pPr algn="r"/>
-              <a:t>‹Nº›</a:t>
-            </a:fld>
-            <a:endParaRPr lang="en-US" sz="800" dirty="0">
-              <a:solidFill>
-                <a:schemeClr val="bg1"/>
-              </a:solidFill>
-              <a:cs typeface="Arial" panose="020B0604020202020204" pitchFamily="34" charset="0"/>
-            </a:endParaRPr>
-          </a:p>
-        </p:txBody>
-      </p:sp>
-      <p:sp>
-        <p:nvSpPr>
-          <p:cNvPr id="7" name="Retângulo 43">
-            <a:extLst>
-              <a:ext uri="{FF2B5EF4-FFF2-40B4-BE49-F238E27FC236}">
-                <a16:creationId xmlns="" xmlns:a16="http://schemas.microsoft.com/office/drawing/2014/main" id="{834ADCB4-BFB1-450D-8F6D-64217F4CD92C}"/>
-              </a:ext>
-            </a:extLst>
-          </p:cNvPr>
-          <p:cNvSpPr/>
-          <p:nvPr userDrawn="1"/>
-        </p:nvSpPr>
-        <p:spPr>
-          <a:xfrm>
-            <a:off x="3411379" y="6555758"/>
-            <a:ext cx="2223686" cy="219456"/>
-          </a:xfrm>
-          <a:prstGeom prst="rect">
-            <a:avLst/>
-          </a:prstGeom>
-        </p:spPr>
-        <p:txBody>
-          <a:bodyPr wrap="none" lIns="0" tIns="0" rIns="0" bIns="0" anchor="ctr">
-            <a:noAutofit/>
-          </a:bodyPr>
-          <a:lstStyle/>
-          <a:p>
-            <a:pPr algn="l"/>
-            <a:r>
-              <a:rPr lang="en-US" sz="800" dirty="0">
-                <a:solidFill>
-                  <a:schemeClr val="bg1"/>
-                </a:solidFill>
-                <a:cs typeface="Arial" panose="020B0604020202020204" pitchFamily="34" charset="0"/>
-              </a:rPr>
-              <a:t>© 2017 Capgemini. All rights reserved.</a:t>
-            </a:r>
-          </a:p>
-        </p:txBody>
-      </p:sp>
-      <p:cxnSp>
-        <p:nvCxnSpPr>
-          <p:cNvPr id="9" name="Conector reto 49">
-            <a:extLst>
-              <a:ext uri="{FF2B5EF4-FFF2-40B4-BE49-F238E27FC236}">
-                <a16:creationId xmlns="" xmlns:a16="http://schemas.microsoft.com/office/drawing/2014/main" id="{6B6D7F6B-C184-4C2B-8EB7-067E0C1E8DF2}"/>
-              </a:ext>
-            </a:extLst>
-          </p:cNvPr>
-          <p:cNvCxnSpPr>
-            <a:cxnSpLocks/>
-          </p:cNvCxnSpPr>
-          <p:nvPr userDrawn="1"/>
-        </p:nvCxnSpPr>
-        <p:spPr>
-          <a:xfrm flipV="1">
-            <a:off x="3283674" y="6587911"/>
-            <a:ext cx="0" cy="155576"/>
-          </a:xfrm>
-          <a:prstGeom prst="line">
-            <a:avLst/>
-          </a:prstGeom>
-          <a:solidFill>
-            <a:schemeClr val="tx1"/>
-          </a:solidFill>
-          <a:ln w="12700" cap="rnd">
-            <a:solidFill>
-              <a:schemeClr val="bg1"/>
-            </a:solidFill>
-            <a:round/>
-          </a:ln>
-        </p:spPr>
-        <p:style>
-          <a:lnRef idx="1">
-            <a:schemeClr val="accent1"/>
-          </a:lnRef>
-          <a:fillRef idx="0">
-            <a:schemeClr val="accent1"/>
-          </a:fillRef>
-          <a:effectRef idx="0">
-            <a:schemeClr val="accent1"/>
-          </a:effectRef>
-          <a:fontRef idx="minor">
-            <a:schemeClr val="tx1"/>
-          </a:fontRef>
-        </p:style>
-      </p:cxnSp>
-      <p:sp>
-        <p:nvSpPr>
-          <p:cNvPr id="11" name="Rectangle 27">
-            <a:hlinkClick r:id="rId3"/>
-            <a:extLst>
-              <a:ext uri="{FF2B5EF4-FFF2-40B4-BE49-F238E27FC236}">
-                <a16:creationId xmlns="" xmlns:a16="http://schemas.microsoft.com/office/drawing/2014/main" id="{F376ABD1-4930-42EB-9A73-9A9C7C6BF2D3}"/>
-              </a:ext>
-            </a:extLst>
-          </p:cNvPr>
-          <p:cNvSpPr/>
-          <p:nvPr userDrawn="1"/>
-        </p:nvSpPr>
-        <p:spPr>
-          <a:xfrm>
-            <a:off x="407988" y="6555971"/>
-            <a:ext cx="2829007" cy="219456"/>
-          </a:xfrm>
-          <a:prstGeom prst="rect">
-            <a:avLst/>
-          </a:prstGeom>
-        </p:spPr>
-        <p:txBody>
-          <a:bodyPr wrap="square" lIns="0" tIns="0" rIns="0" bIns="0" anchor="ctr" anchorCtr="0">
-            <a:noAutofit/>
-          </a:bodyPr>
-          <a:lstStyle/>
-          <a:p>
-            <a:pPr lvl="0" algn="l" defTabSz="914400">
-              <a:lnSpc>
-                <a:spcPct val="85000"/>
-              </a:lnSpc>
-              <a:defRPr/>
-            </a:pPr>
-            <a:r>
-              <a:rPr lang="en-US" sz="800" kern="0" dirty="0">
-                <a:solidFill>
-                  <a:schemeClr val="bg1"/>
-                </a:solidFill>
-                <a:latin typeface="+mj-lt"/>
-                <a:cs typeface="Arial" panose="020B0604020202020204" pitchFamily="34" charset="0"/>
-              </a:rPr>
-              <a:t>Presentation Title | Author | Date</a:t>
-            </a:r>
-          </a:p>
-        </p:txBody>
-      </p:sp>
-    </p:spTree>
-    <p:extLst>
-      <p:ext uri="{BB962C8B-B14F-4D97-AF65-F5344CB8AC3E}">
-        <p14:creationId xmlns="" xmlns:p14="http://schemas.microsoft.com/office/powerpoint/2010/main" val="651654949"/>
-      </p:ext>
-    </p:extLst>
-  </p:cSld>
-  <p:clrMapOvr>
-    <a:masterClrMapping/>
-  </p:clrMapOvr>
-  <p:extLst mod="1">
-    <p:ext uri="{DCECCB84-F9BA-43D5-87BE-67443E8EF086}">
-      <p15:sldGuideLst xmlns="" xmlns:p15="http://schemas.microsoft.com/office/powerpoint/2012/main">
-        <p15:guide id="1" orient="horz" pos="255" userDrawn="1">
-          <p15:clr>
-            <a:srgbClr val="FBAE40"/>
-          </p15:clr>
-        </p15:guide>
-        <p15:guide id="2" pos="257" userDrawn="1">
-          <p15:clr>
-            <a:srgbClr val="FBAE40"/>
-          </p15:clr>
-        </p15:guide>
-        <p15:guide id="3" pos="6879" userDrawn="1">
-          <p15:clr>
-            <a:srgbClr val="FBAE40"/>
-          </p15:clr>
-        </p15:guide>
-      </p15:sldGuideLst>
-    </p:ext>
-  </p:extLst>
-</p:sldLayout>
-</file>
-
-<file path=ppt/slideLayouts/slideLayout4.xml><?xml version="1.0" encoding="utf-8"?>
 <p:sldLayout xmlns:a="http://schemas.openxmlformats.org/drawingml/2006/main" xmlns:r="http://schemas.openxmlformats.org/officeDocument/2006/relationships" xmlns:p="http://schemas.openxmlformats.org/presentationml/2006/main" userDrawn="1">
   <p:cSld name="Closing1">
     <p:spTree>
@@ -2036,7 +1583,7 @@
           </a:ln>
           <a:extLst>
             <a:ext uri="{91240B29-F687-4F45-9708-019B960494DF}">
-              <a14:hiddenLine xmlns="" xmlns:a14="http://schemas.microsoft.com/office/drawing/2010/main" w="9525">
+              <a14:hiddenLine xmlns:a14="http://schemas.microsoft.com/office/drawing/2010/main" xmlns="" w="9525">
                 <a:solidFill>
                   <a:srgbClr val="000000"/>
                 </a:solidFill>
@@ -2195,7 +1742,7 @@
             </a:ln>
             <a:extLst>
               <a:ext uri="{91240B29-F687-4F45-9708-019B960494DF}">
-                <a14:hiddenLine xmlns="" xmlns:a14="http://schemas.microsoft.com/office/drawing/2010/main" w="9525">
+                <a14:hiddenLine xmlns:a14="http://schemas.microsoft.com/office/drawing/2010/main" xmlns="" w="9525">
                   <a:solidFill>
                     <a:srgbClr val="000000"/>
                   </a:solidFill>
@@ -2370,7 +1917,7 @@
             </a:ln>
             <a:extLst>
               <a:ext uri="{91240B29-F687-4F45-9708-019B960494DF}">
-                <a14:hiddenLine xmlns="" xmlns:a14="http://schemas.microsoft.com/office/drawing/2010/main" w="9525">
+                <a14:hiddenLine xmlns:a14="http://schemas.microsoft.com/office/drawing/2010/main" xmlns="" w="9525">
                   <a:solidFill>
                     <a:srgbClr val="000000"/>
                   </a:solidFill>
@@ -3063,7 +2610,7 @@
           <a:blip r:embed="rId15" cstate="print">
             <a:extLst>
               <a:ext uri="{28A0092B-C50C-407E-A947-70E740481C1C}">
-                <a14:useLocalDpi xmlns="" xmlns:a14="http://schemas.microsoft.com/office/drawing/2010/main" val="0"/>
+                <a14:useLocalDpi xmlns:a14="http://schemas.microsoft.com/office/drawing/2010/main" xmlns="" val="0"/>
               </a:ext>
             </a:extLst>
           </a:blip>
@@ -3084,7 +2631,7 @@
     </p:spTree>
     <p:extLst>
       <p:ext uri="{BB962C8B-B14F-4D97-AF65-F5344CB8AC3E}">
-        <p14:creationId xmlns="" xmlns:p14="http://schemas.microsoft.com/office/powerpoint/2010/main" val="2861388153"/>
+        <p14:creationId xmlns:p14="http://schemas.microsoft.com/office/powerpoint/2010/main" xmlns="" val="2861388153"/>
       </p:ext>
     </p:extLst>
   </p:cSld>
@@ -3094,7 +2641,7 @@
 </p:sldLayout>
 </file>
 
-<file path=ppt/slideLayouts/slideLayout5.xml><?xml version="1.0" encoding="utf-8"?>
+<file path=ppt/slideLayouts/slideLayout4.xml><?xml version="1.0" encoding="utf-8"?>
 <p:sldLayout xmlns:a="http://schemas.openxmlformats.org/drawingml/2006/main" xmlns:r="http://schemas.openxmlformats.org/officeDocument/2006/relationships" xmlns:p="http://schemas.openxmlformats.org/presentationml/2006/main" type="obj">
   <p:cSld name="Title and Content">
     <p:spTree>
@@ -3826,449 +3373,7 @@
     </p:spTree>
     <p:extLst>
       <p:ext uri="{BB962C8B-B14F-4D97-AF65-F5344CB8AC3E}">
-        <p14:creationId xmlns="" xmlns:p14="http://schemas.microsoft.com/office/powerpoint/2010/main" val="594290644"/>
-      </p:ext>
-    </p:extLst>
-  </p:cSld>
-  <p:clrMapOvr>
-    <a:masterClrMapping/>
-  </p:clrMapOvr>
-</p:sldLayout>
-</file>
-
-<file path=ppt/slideLayouts/slideLayout6.xml><?xml version="1.0" encoding="utf-8"?>
-<p:sldLayout xmlns:a="http://schemas.openxmlformats.org/drawingml/2006/main" xmlns:r="http://schemas.openxmlformats.org/officeDocument/2006/relationships" xmlns:p="http://schemas.openxmlformats.org/presentationml/2006/main" preserve="1" userDrawn="1">
-  <p:cSld name="Image and Text1 (fixed)">
-    <p:spTree>
-      <p:nvGrpSpPr>
-        <p:cNvPr id="1" name=""/>
-        <p:cNvGrpSpPr/>
-        <p:nvPr/>
-      </p:nvGrpSpPr>
-      <p:grpSpPr>
-        <a:xfrm>
-          <a:off x="0" y="0"/>
-          <a:ext cx="0" cy="0"/>
-          <a:chOff x="0" y="0"/>
-          <a:chExt cx="0" cy="0"/>
-        </a:xfrm>
-      </p:grpSpPr>
-      <p:pic>
-        <p:nvPicPr>
-          <p:cNvPr id="3" name="Picture 2">
-            <a:extLst>
-              <a:ext uri="{FF2B5EF4-FFF2-40B4-BE49-F238E27FC236}">
-                <a16:creationId xmlns="" xmlns:a16="http://schemas.microsoft.com/office/drawing/2014/main" id="{A20ECE27-3956-4FE1-8709-933577BED319}"/>
-              </a:ext>
-            </a:extLst>
-          </p:cNvPr>
-          <p:cNvPicPr>
-            <a:picLocks noChangeAspect="1"/>
-          </p:cNvPicPr>
-          <p:nvPr userDrawn="1"/>
-        </p:nvPicPr>
-        <p:blipFill>
-          <a:blip r:embed="rId2" cstate="print">
-            <a:extLst>
-              <a:ext uri="{28A0092B-C50C-407E-A947-70E740481C1C}">
-                <a14:useLocalDpi xmlns="" xmlns:a14="http://schemas.microsoft.com/office/drawing/2010/main" val="0"/>
-              </a:ext>
-            </a:extLst>
-          </a:blip>
-          <a:stretch>
-            <a:fillRect/>
-          </a:stretch>
-        </p:blipFill>
-        <p:spPr>
-          <a:xfrm>
-            <a:off x="1524" y="0"/>
-            <a:ext cx="12188952" cy="6858000"/>
-          </a:xfrm>
-          <a:prstGeom prst="rect">
-            <a:avLst/>
-          </a:prstGeom>
-        </p:spPr>
-      </p:pic>
-      <p:pic>
-        <p:nvPicPr>
-          <p:cNvPr id="7" name="Graphic 6">
-            <a:extLst>
-              <a:ext uri="{FF2B5EF4-FFF2-40B4-BE49-F238E27FC236}">
-                <a16:creationId xmlns="" xmlns:a16="http://schemas.microsoft.com/office/drawing/2014/main" id="{0D0D1E5A-3176-4CB4-975A-4DC18D29026C}"/>
-              </a:ext>
-            </a:extLst>
-          </p:cNvPr>
-          <p:cNvPicPr>
-            <a:picLocks noChangeAspect="1"/>
-          </p:cNvPicPr>
-          <p:nvPr userDrawn="1"/>
-        </p:nvPicPr>
-        <p:blipFill rotWithShape="1">
-          <a:blip r:embed="rId3" cstate="print">
-            <a:extLst>
-              <a:ext uri="{96DAC541-7B7A-43D3-8B79-37D633B846F1}">
-                <asvg:svgBlip xmlns="" xmlns:asvg="http://schemas.microsoft.com/office/drawing/2016/SVG/main" r:embed="rId4"/>
-              </a:ext>
-            </a:extLst>
-          </a:blip>
-          <a:srcRect r="23077" b="19676"/>
-          <a:stretch/>
-        </p:blipFill>
-        <p:spPr>
-          <a:xfrm rot="16200000">
-            <a:off x="5413032" y="79029"/>
-            <a:ext cx="6857997" cy="6699938"/>
-          </a:xfrm>
-          <a:prstGeom prst="rect">
-            <a:avLst/>
-          </a:prstGeom>
-        </p:spPr>
-      </p:pic>
-      <p:sp>
-        <p:nvSpPr>
-          <p:cNvPr id="11" name="Title Placeholder 1">
-            <a:extLst>
-              <a:ext uri="{FF2B5EF4-FFF2-40B4-BE49-F238E27FC236}">
-                <a16:creationId xmlns="" xmlns:a16="http://schemas.microsoft.com/office/drawing/2014/main" id="{AC165F49-BCC1-4C3B-91C3-5D1BB415ABF1}"/>
-              </a:ext>
-            </a:extLst>
-          </p:cNvPr>
-          <p:cNvSpPr>
-            <a:spLocks noGrp="1"/>
-          </p:cNvSpPr>
-          <p:nvPr>
-            <p:ph type="title" hasCustomPrompt="1"/>
-          </p:nvPr>
-        </p:nvSpPr>
-        <p:spPr>
-          <a:xfrm>
-            <a:off x="6688365" y="4308293"/>
-            <a:ext cx="3484336" cy="1721321"/>
-          </a:xfrm>
-          <a:prstGeom prst="rect">
-            <a:avLst/>
-          </a:prstGeom>
-        </p:spPr>
-        <p:txBody>
-          <a:bodyPr vert="horz" lIns="0" tIns="0" rIns="0" bIns="45720" rtlCol="0" anchor="b">
-            <a:noAutofit/>
-          </a:bodyPr>
-          <a:lstStyle>
-            <a:lvl1pPr>
-              <a:lnSpc>
-                <a:spcPts val="3000"/>
-              </a:lnSpc>
-              <a:defRPr sz="2600">
-                <a:solidFill>
-                  <a:srgbClr val="2C004B"/>
-                </a:solidFill>
-              </a:defRPr>
-            </a:lvl1pPr>
-          </a:lstStyle>
-          <a:p>
-            <a:r>
-              <a:rPr lang="en-US" dirty="0"/>
-              <a:t>Click to add title</a:t>
-            </a:r>
-            <a:endParaRPr lang="pt-PT" dirty="0"/>
-          </a:p>
-        </p:txBody>
-      </p:sp>
-      <p:sp>
-        <p:nvSpPr>
-          <p:cNvPr id="12" name="Text Placeholder 7">
-            <a:extLst>
-              <a:ext uri="{FF2B5EF4-FFF2-40B4-BE49-F238E27FC236}">
-                <a16:creationId xmlns="" xmlns:a16="http://schemas.microsoft.com/office/drawing/2014/main" id="{98BC8B91-D2A3-4F52-B4E2-1C3C1B691942}"/>
-              </a:ext>
-            </a:extLst>
-          </p:cNvPr>
-          <p:cNvSpPr>
-            <a:spLocks noGrp="1"/>
-          </p:cNvSpPr>
-          <p:nvPr>
-            <p:ph type="body" sz="quarter" idx="32" hasCustomPrompt="1"/>
-          </p:nvPr>
-        </p:nvSpPr>
-        <p:spPr>
-          <a:xfrm>
-            <a:off x="407988" y="5085184"/>
-            <a:ext cx="4123375" cy="944430"/>
-          </a:xfrm>
-          <a:prstGeom prst="rect">
-            <a:avLst/>
-          </a:prstGeom>
-        </p:spPr>
-        <p:txBody>
-          <a:bodyPr anchor="b">
-            <a:noAutofit/>
-          </a:bodyPr>
-          <a:lstStyle>
-            <a:lvl1pPr>
-              <a:lnSpc>
-                <a:spcPts val="2200"/>
-              </a:lnSpc>
-              <a:spcAft>
-                <a:spcPts val="0"/>
-              </a:spcAft>
-              <a:defRPr sz="1800"/>
-            </a:lvl1pPr>
-            <a:lvl2pPr>
-              <a:lnSpc>
-                <a:spcPct val="100000"/>
-              </a:lnSpc>
-              <a:defRPr sz="1400"/>
-            </a:lvl2pPr>
-            <a:lvl3pPr>
-              <a:lnSpc>
-                <a:spcPct val="100000"/>
-              </a:lnSpc>
-              <a:defRPr sz="1400"/>
-            </a:lvl3pPr>
-            <a:lvl4pPr>
-              <a:lnSpc>
-                <a:spcPct val="100000"/>
-              </a:lnSpc>
-              <a:defRPr sz="1400"/>
-            </a:lvl4pPr>
-            <a:lvl5pPr>
-              <a:lnSpc>
-                <a:spcPct val="100000"/>
-              </a:lnSpc>
-              <a:defRPr sz="1200"/>
-            </a:lvl5pPr>
-          </a:lstStyle>
-          <a:p>
-            <a:pPr lvl="0"/>
-            <a:r>
-              <a:rPr lang="en-US" dirty="0"/>
-              <a:t>Click to insert text</a:t>
-            </a:r>
-          </a:p>
-        </p:txBody>
-      </p:sp>
-      <p:pic>
-        <p:nvPicPr>
-          <p:cNvPr id="6" name="Graphic 4">
-            <a:extLst>
-              <a:ext uri="{FF2B5EF4-FFF2-40B4-BE49-F238E27FC236}">
-                <a16:creationId xmlns="" xmlns:a16="http://schemas.microsoft.com/office/drawing/2014/main" id="{25EEA1D4-3AF7-42D7-AE97-AE404AECFAEB}"/>
-              </a:ext>
-            </a:extLst>
-          </p:cNvPr>
-          <p:cNvPicPr>
-            <a:picLocks noChangeAspect="1"/>
-          </p:cNvPicPr>
-          <p:nvPr userDrawn="1"/>
-        </p:nvPicPr>
-        <p:blipFill rotWithShape="1">
-          <a:blip r:embed="rId5" cstate="print">
-            <a:extLst>
-              <a:ext uri="{96DAC541-7B7A-43D3-8B79-37D633B846F1}">
-                <asvg:svgBlip xmlns="" xmlns:asvg="http://schemas.microsoft.com/office/drawing/2016/SVG/main" r:embed="rId6"/>
-              </a:ext>
-            </a:extLst>
-          </a:blip>
-          <a:srcRect l="81836" t="-4713" b="16530"/>
-          <a:stretch/>
-        </p:blipFill>
-        <p:spPr>
-          <a:xfrm>
-            <a:off x="11547793" y="188640"/>
-            <a:ext cx="424356" cy="459624"/>
-          </a:xfrm>
-          <a:prstGeom prst="rect">
-            <a:avLst/>
-          </a:prstGeom>
-        </p:spPr>
-      </p:pic>
-      <p:sp>
-        <p:nvSpPr>
-          <p:cNvPr id="8" name="Retângulo 43">
-            <a:extLst>
-              <a:ext uri="{FF2B5EF4-FFF2-40B4-BE49-F238E27FC236}">
-                <a16:creationId xmlns="" xmlns:a16="http://schemas.microsoft.com/office/drawing/2014/main" id="{25FC8637-25BD-4C09-AF25-56B4243DAB3D}"/>
-              </a:ext>
-            </a:extLst>
-          </p:cNvPr>
-          <p:cNvSpPr/>
-          <p:nvPr userDrawn="1"/>
-        </p:nvSpPr>
-        <p:spPr>
-          <a:xfrm>
-            <a:off x="11665391" y="6555758"/>
-            <a:ext cx="360997" cy="215444"/>
-          </a:xfrm>
-          <a:prstGeom prst="rect">
-            <a:avLst/>
-          </a:prstGeom>
-        </p:spPr>
-        <p:txBody>
-          <a:bodyPr wrap="none">
-            <a:spAutoFit/>
-          </a:bodyPr>
-          <a:lstStyle/>
-          <a:p>
-            <a:pPr algn="r"/>
-            <a:fld id="{0502E5A9-B53C-401E-A0E0-4A359BB0A9E5}" type="slidenum">
-              <a:rPr lang="en-US" sz="800" smtClean="0">
-                <a:solidFill>
-                  <a:schemeClr val="bg1"/>
-                </a:solidFill>
-                <a:cs typeface="Arial" panose="020B0604020202020204" pitchFamily="34" charset="0"/>
-              </a:rPr>
-              <a:pPr algn="r"/>
-              <a:t>‹Nº›</a:t>
-            </a:fld>
-            <a:endParaRPr lang="en-US" sz="800" dirty="0">
-              <a:solidFill>
-                <a:schemeClr val="bg1"/>
-              </a:solidFill>
-              <a:cs typeface="Arial" panose="020B0604020202020204" pitchFamily="34" charset="0"/>
-            </a:endParaRPr>
-          </a:p>
-        </p:txBody>
-      </p:sp>
-      <p:cxnSp>
-        <p:nvCxnSpPr>
-          <p:cNvPr id="9" name="Conector reto 49">
-            <a:extLst>
-              <a:ext uri="{FF2B5EF4-FFF2-40B4-BE49-F238E27FC236}">
-                <a16:creationId xmlns="" xmlns:a16="http://schemas.microsoft.com/office/drawing/2014/main" id="{6B6D7F6B-C184-4C2B-8EB7-067E0C1E8DF2}"/>
-              </a:ext>
-            </a:extLst>
-          </p:cNvPr>
-          <p:cNvCxnSpPr>
-            <a:cxnSpLocks/>
-          </p:cNvCxnSpPr>
-          <p:nvPr userDrawn="1"/>
-        </p:nvCxnSpPr>
-        <p:spPr>
-          <a:xfrm flipV="1">
-            <a:off x="3283674" y="6587911"/>
-            <a:ext cx="0" cy="155576"/>
-          </a:xfrm>
-          <a:prstGeom prst="line">
-            <a:avLst/>
-          </a:prstGeom>
-          <a:solidFill>
-            <a:schemeClr val="tx1"/>
-          </a:solidFill>
-          <a:ln w="12700" cap="rnd">
-            <a:solidFill>
-              <a:schemeClr val="accent2"/>
-            </a:solidFill>
-            <a:round/>
-          </a:ln>
-        </p:spPr>
-        <p:style>
-          <a:lnRef idx="1">
-            <a:schemeClr val="accent1"/>
-          </a:lnRef>
-          <a:fillRef idx="0">
-            <a:schemeClr val="accent1"/>
-          </a:fillRef>
-          <a:effectRef idx="0">
-            <a:schemeClr val="accent1"/>
-          </a:effectRef>
-          <a:fontRef idx="minor">
-            <a:schemeClr val="tx1"/>
-          </a:fontRef>
-        </p:style>
-      </p:cxnSp>
-      <p:sp>
-        <p:nvSpPr>
-          <p:cNvPr id="10" name="Rectangle 27">
-            <a:hlinkClick r:id="rId7"/>
-            <a:extLst>
-              <a:ext uri="{FF2B5EF4-FFF2-40B4-BE49-F238E27FC236}">
-                <a16:creationId xmlns="" xmlns:a16="http://schemas.microsoft.com/office/drawing/2014/main" id="{F376ABD1-4930-42EB-9A73-9A9C7C6BF2D3}"/>
-              </a:ext>
-            </a:extLst>
-          </p:cNvPr>
-          <p:cNvSpPr/>
-          <p:nvPr userDrawn="1"/>
-        </p:nvSpPr>
-        <p:spPr>
-          <a:xfrm>
-            <a:off x="407988" y="6555971"/>
-            <a:ext cx="2829007" cy="219456"/>
-          </a:xfrm>
-          <a:prstGeom prst="rect">
-            <a:avLst/>
-          </a:prstGeom>
-        </p:spPr>
-        <p:txBody>
-          <a:bodyPr wrap="square" lIns="0" tIns="0" rIns="0" bIns="0" anchor="ctr" anchorCtr="0">
-            <a:noAutofit/>
-          </a:bodyPr>
-          <a:lstStyle/>
-          <a:p>
-            <a:pPr lvl="0" algn="l" defTabSz="914400">
-              <a:lnSpc>
-                <a:spcPct val="85000"/>
-              </a:lnSpc>
-              <a:defRPr/>
-            </a:pPr>
-            <a:r>
-              <a:rPr lang="en-US" sz="800" kern="0" dirty="0">
-                <a:solidFill>
-                  <a:srgbClr val="00458D"/>
-                </a:solidFill>
-                <a:latin typeface="+mj-lt"/>
-                <a:cs typeface="Arial" panose="020B0604020202020204" pitchFamily="34" charset="0"/>
-              </a:rPr>
-              <a:t>Presentation Title | Author | Date</a:t>
-            </a:r>
-          </a:p>
-        </p:txBody>
-      </p:sp>
-      <p:sp>
-        <p:nvSpPr>
-          <p:cNvPr id="13" name="Retângulo 43">
-            <a:extLst>
-              <a:ext uri="{FF2B5EF4-FFF2-40B4-BE49-F238E27FC236}">
-                <a16:creationId xmlns="" xmlns:a16="http://schemas.microsoft.com/office/drawing/2014/main" id="{834ADCB4-BFB1-450D-8F6D-64217F4CD92C}"/>
-              </a:ext>
-            </a:extLst>
-          </p:cNvPr>
-          <p:cNvSpPr/>
-          <p:nvPr userDrawn="1"/>
-        </p:nvSpPr>
-        <p:spPr>
-          <a:xfrm>
-            <a:off x="3411379" y="6555758"/>
-            <a:ext cx="2223686" cy="219456"/>
-          </a:xfrm>
-          <a:prstGeom prst="rect">
-            <a:avLst/>
-          </a:prstGeom>
-        </p:spPr>
-        <p:txBody>
-          <a:bodyPr wrap="none" lIns="0" tIns="0" rIns="0" bIns="0" anchor="ctr">
-            <a:noAutofit/>
-          </a:bodyPr>
-          <a:lstStyle/>
-          <a:p>
-            <a:pPr algn="l"/>
-            <a:r>
-              <a:rPr lang="en-US" sz="800" dirty="0">
-                <a:solidFill>
-                  <a:schemeClr val="bg2">
-                    <a:lumMod val="50000"/>
-                  </a:schemeClr>
-                </a:solidFill>
-                <a:cs typeface="Arial" panose="020B0604020202020204" pitchFamily="34" charset="0"/>
-              </a:rPr>
-              <a:t>© 2017 Capgemini. All rights reserved.</a:t>
-            </a:r>
-          </a:p>
-        </p:txBody>
-      </p:sp>
-    </p:spTree>
-    <p:extLst>
-      <p:ext uri="{BB962C8B-B14F-4D97-AF65-F5344CB8AC3E}">
-        <p14:creationId xmlns="" xmlns:p14="http://schemas.microsoft.com/office/powerpoint/2010/main" val="3449079600"/>
+        <p14:creationId xmlns:p14="http://schemas.microsoft.com/office/powerpoint/2010/main" xmlns="" val="594290644"/>
       </p:ext>
     </p:extLst>
   </p:cSld>
@@ -4305,7 +3410,7 @@
           <p:cNvPr id="4" name="Title Placeholder 3">
             <a:extLst>
               <a:ext uri="{FF2B5EF4-FFF2-40B4-BE49-F238E27FC236}">
-                <a16:creationId xmlns="" xmlns:a16="http://schemas.microsoft.com/office/drawing/2014/main" id="{509B218C-0963-489A-AA77-3748FFA421C5}"/>
+                <a16:creationId xmlns:a16="http://schemas.microsoft.com/office/drawing/2014/main" xmlns="" id="{509B218C-0963-489A-AA77-3748FFA421C5}"/>
               </a:ext>
             </a:extLst>
           </p:cNvPr>
@@ -4344,7 +3449,7 @@
           <p:cNvPr id="5" name="Text Placeholder 4">
             <a:extLst>
               <a:ext uri="{FF2B5EF4-FFF2-40B4-BE49-F238E27FC236}">
-                <a16:creationId xmlns="" xmlns:a16="http://schemas.microsoft.com/office/drawing/2014/main" id="{A4D17236-A440-4453-A69C-BE3728C11608}"/>
+                <a16:creationId xmlns:a16="http://schemas.microsoft.com/office/drawing/2014/main" xmlns="" id="{A4D17236-A440-4453-A69C-BE3728C11608}"/>
               </a:ext>
             </a:extLst>
           </p:cNvPr>
@@ -4410,7 +3515,7 @@
     </p:spTree>
     <p:extLst>
       <p:ext uri="{BB962C8B-B14F-4D97-AF65-F5344CB8AC3E}">
-        <p14:creationId xmlns="" xmlns:p14="http://schemas.microsoft.com/office/powerpoint/2010/main" val="3378625389"/>
+        <p14:creationId xmlns:p14="http://schemas.microsoft.com/office/powerpoint/2010/main" xmlns="" val="3378625389"/>
       </p:ext>
     </p:extLst>
   </p:cSld>
@@ -4700,7 +3805,7 @@
   </p:txStyles>
   <p:extLst>
     <p:ext uri="{27BBF7A9-308A-43DC-89C8-2F10F3537804}">
-      <p15:sldGuideLst xmlns="" xmlns:p15="http://schemas.microsoft.com/office/powerpoint/2012/main">
+      <p15:sldGuideLst xmlns:p15="http://schemas.microsoft.com/office/powerpoint/2012/main" xmlns="">
         <p15:guide id="1" orient="horz" pos="4065" userDrawn="1">
           <p15:clr>
             <a:srgbClr val="F26B43"/>
@@ -4779,568 +3884,10 @@
       </p:grpSpPr>
       <p:sp>
         <p:nvSpPr>
-          <p:cNvPr id="7" name="Rectangle 6"/>
-          <p:cNvSpPr/>
-          <p:nvPr userDrawn="1"/>
-        </p:nvSpPr>
-        <p:spPr>
-          <a:xfrm>
-            <a:off x="0" y="0"/>
-            <a:ext cx="12192000" cy="6858000"/>
-          </a:xfrm>
-          <a:prstGeom prst="rect">
-            <a:avLst/>
-          </a:prstGeom>
-          <a:solidFill>
-            <a:schemeClr val="bg2"/>
-          </a:solidFill>
-          <a:ln>
-            <a:noFill/>
-          </a:ln>
-        </p:spPr>
-        <p:style>
-          <a:lnRef idx="2">
-            <a:schemeClr val="accent1">
-              <a:shade val="50000"/>
-            </a:schemeClr>
-          </a:lnRef>
-          <a:fillRef idx="1">
-            <a:schemeClr val="accent1"/>
-          </a:fillRef>
-          <a:effectRef idx="0">
-            <a:schemeClr val="accent1"/>
-          </a:effectRef>
-          <a:fontRef idx="minor">
-            <a:schemeClr val="lt1"/>
-          </a:fontRef>
-        </p:style>
-        <p:txBody>
-          <a:bodyPr rtlCol="0" anchor="ctr"/>
-          <a:lstStyle/>
-          <a:p>
-            <a:pPr algn="ctr"/>
-            <a:endParaRPr lang="en-US" dirty="0"/>
-          </a:p>
-        </p:txBody>
-      </p:sp>
-      <p:sp>
-        <p:nvSpPr>
-          <p:cNvPr id="8" name="Title Placeholder 1">
-            <a:extLst>
-              <a:ext uri="{FF2B5EF4-FFF2-40B4-BE49-F238E27FC236}">
-                <a16:creationId xmlns="" xmlns:a16="http://schemas.microsoft.com/office/drawing/2014/main" id="{366C6B93-5A4F-43B7-84C4-C42EC870AB53}"/>
-              </a:ext>
-            </a:extLst>
-          </p:cNvPr>
-          <p:cNvSpPr>
-            <a:spLocks noGrp="1"/>
-          </p:cNvSpPr>
-          <p:nvPr>
-            <p:ph type="title"/>
-          </p:nvPr>
-        </p:nvSpPr>
-        <p:spPr>
-          <a:xfrm>
-            <a:off x="413068" y="418452"/>
-            <a:ext cx="11083532" cy="859536"/>
-          </a:xfrm>
-          <a:prstGeom prst="rect">
-            <a:avLst/>
-          </a:prstGeom>
-        </p:spPr>
-        <p:txBody>
-          <a:bodyPr vert="horz" lIns="0" tIns="0" rIns="0" bIns="0" rtlCol="0" anchor="t">
-            <a:normAutofit/>
-          </a:bodyPr>
-          <a:lstStyle/>
-          <a:p>
-            <a:pPr lvl="0">
-              <a:lnSpc>
-                <a:spcPts val="3000"/>
-              </a:lnSpc>
-            </a:pPr>
-            <a:r>
-              <a:rPr lang="en-US" dirty="0"/>
-              <a:t>Click to edit Master title style</a:t>
-            </a:r>
-            <a:endParaRPr lang="pt-PT" dirty="0"/>
-          </a:p>
-        </p:txBody>
-      </p:sp>
-      <p:sp>
-        <p:nvSpPr>
-          <p:cNvPr id="9" name="Text Placeholder 2">
-            <a:extLst>
-              <a:ext uri="{FF2B5EF4-FFF2-40B4-BE49-F238E27FC236}">
-                <a16:creationId xmlns="" xmlns:a16="http://schemas.microsoft.com/office/drawing/2014/main" id="{AF310831-D03E-404B-934F-73B268225B7E}"/>
-              </a:ext>
-            </a:extLst>
-          </p:cNvPr>
-          <p:cNvSpPr>
-            <a:spLocks noGrp="1"/>
-          </p:cNvSpPr>
-          <p:nvPr>
-            <p:ph type="body" idx="1"/>
-          </p:nvPr>
-        </p:nvSpPr>
-        <p:spPr>
-          <a:xfrm>
-            <a:off x="413067" y="1412875"/>
-            <a:ext cx="11370945" cy="4351337"/>
-          </a:xfrm>
-          <a:prstGeom prst="rect">
-            <a:avLst/>
-          </a:prstGeom>
-        </p:spPr>
-        <p:txBody>
-          <a:bodyPr vert="horz" lIns="0" tIns="0" rIns="0" bIns="0" rtlCol="0">
-            <a:normAutofit/>
-          </a:bodyPr>
-          <a:lstStyle/>
-          <a:p>
-            <a:pPr lvl="0"/>
-            <a:r>
-              <a:rPr lang="en-US" dirty="0"/>
-              <a:t>Edit Master text styles</a:t>
-            </a:r>
-          </a:p>
-          <a:p>
-            <a:pPr lvl="1"/>
-            <a:r>
-              <a:rPr lang="en-US" dirty="0"/>
-              <a:t>Second level</a:t>
-            </a:r>
-          </a:p>
-          <a:p>
-            <a:pPr lvl="2"/>
-            <a:r>
-              <a:rPr lang="en-US" dirty="0"/>
-              <a:t>Third level</a:t>
-            </a:r>
-          </a:p>
-          <a:p>
-            <a:pPr lvl="3"/>
-            <a:r>
-              <a:rPr lang="en-US" dirty="0"/>
-              <a:t>Fourth level</a:t>
-            </a:r>
-          </a:p>
-        </p:txBody>
-      </p:sp>
-      <p:pic>
-        <p:nvPicPr>
-          <p:cNvPr id="5" name="Graphic 4">
-            <a:extLst>
-              <a:ext uri="{FF2B5EF4-FFF2-40B4-BE49-F238E27FC236}">
-                <a16:creationId xmlns="" xmlns:a16="http://schemas.microsoft.com/office/drawing/2014/main" id="{25EEA1D4-3AF7-42D7-AE97-AE404AECFAEB}"/>
-              </a:ext>
-            </a:extLst>
-          </p:cNvPr>
-          <p:cNvPicPr>
-            <a:picLocks noChangeAspect="1"/>
-          </p:cNvPicPr>
-          <p:nvPr userDrawn="1"/>
-        </p:nvPicPr>
-        <p:blipFill rotWithShape="1">
-          <a:blip r:embed="rId2" cstate="print">
-            <a:extLst>
-              <a:ext uri="{96DAC541-7B7A-43D3-8B79-37D633B846F1}">
-                <asvg:svgBlip xmlns="" xmlns:asvg="http://schemas.microsoft.com/office/drawing/2016/SVG/main" r:embed="rId3"/>
-              </a:ext>
-            </a:extLst>
-          </a:blip>
-          <a:srcRect l="81836" t="-4713" b="16530"/>
-          <a:stretch/>
-        </p:blipFill>
-        <p:spPr>
-          <a:xfrm>
-            <a:off x="11547793" y="188640"/>
-            <a:ext cx="424356" cy="459624"/>
-          </a:xfrm>
-          <a:prstGeom prst="rect">
-            <a:avLst/>
-          </a:prstGeom>
-        </p:spPr>
-      </p:pic>
-    </p:spTree>
-    <p:extLst>
-      <p:ext uri="{BB962C8B-B14F-4D97-AF65-F5344CB8AC3E}">
-        <p14:creationId xmlns="" xmlns:p14="http://schemas.microsoft.com/office/powerpoint/2010/main" val="3731682138"/>
-      </p:ext>
-    </p:extLst>
-  </p:cSld>
-  <p:clrMap bg1="lt1" tx1="dk1" bg2="lt2" tx2="dk2" accent1="accent1" accent2="accent2" accent3="accent3" accent4="accent4" accent5="accent5" accent6="accent6" hlink="hlink" folHlink="folHlink"/>
-  <p:txStyles>
-    <p:titleStyle>
-      <a:lvl1pPr algn="l" defTabSz="914400" rtl="0" eaLnBrk="1" latinLnBrk="0" hangingPunct="1">
-        <a:lnSpc>
-          <a:spcPct val="90000"/>
-        </a:lnSpc>
-        <a:spcBef>
-          <a:spcPct val="0"/>
-        </a:spcBef>
-        <a:buNone/>
-        <a:defRPr lang="pt-PT" sz="2600" kern="1200">
-          <a:solidFill>
-            <a:schemeClr val="tx2"/>
-          </a:solidFill>
-          <a:latin typeface="Verdana" panose="020B0604030504040204" pitchFamily="34" charset="0"/>
-          <a:ea typeface="Verdana" panose="020B0604030504040204" pitchFamily="34" charset="0"/>
-          <a:cs typeface="Verdana" panose="020B0604030504040204" pitchFamily="34" charset="0"/>
-        </a:defRPr>
-      </a:lvl1pPr>
-    </p:titleStyle>
-    <p:bodyStyle>
-      <a:lvl1pPr marL="0" indent="0" algn="l" defTabSz="914400" rtl="0" eaLnBrk="1" latinLnBrk="0" hangingPunct="1">
-        <a:lnSpc>
-          <a:spcPts val="2200"/>
-        </a:lnSpc>
-        <a:spcBef>
-          <a:spcPts val="0"/>
-        </a:spcBef>
-        <a:spcAft>
-          <a:spcPts val="600"/>
-        </a:spcAft>
-        <a:buFont typeface="Arial" panose="020B0604020202020204" pitchFamily="34" charset="0"/>
-        <a:buNone/>
-        <a:defRPr sz="1800" kern="1200">
-          <a:solidFill>
-            <a:schemeClr val="tx1"/>
-          </a:solidFill>
-          <a:latin typeface="+mn-lt"/>
-          <a:ea typeface="+mn-ea"/>
-          <a:cs typeface="+mn-cs"/>
-        </a:defRPr>
-      </a:lvl1pPr>
-      <a:lvl2pPr marL="233363" indent="-228600" algn="l" defTabSz="914400" rtl="0" eaLnBrk="1" latinLnBrk="0" hangingPunct="1">
-        <a:lnSpc>
-          <a:spcPts val="1800"/>
-        </a:lnSpc>
-        <a:spcBef>
-          <a:spcPts val="0"/>
-        </a:spcBef>
-        <a:spcAft>
-          <a:spcPts val="600"/>
-        </a:spcAft>
-        <a:buClr>
-          <a:schemeClr val="accent1"/>
-        </a:buClr>
-        <a:buFont typeface="Wingdings" panose="05000000000000000000" pitchFamily="2" charset="2"/>
-        <a:buChar char="§"/>
-        <a:defRPr sz="1600" kern="1200">
-          <a:solidFill>
-            <a:schemeClr val="tx1"/>
-          </a:solidFill>
-          <a:latin typeface="+mn-lt"/>
-          <a:ea typeface="+mn-ea"/>
-          <a:cs typeface="+mn-cs"/>
-        </a:defRPr>
-      </a:lvl2pPr>
-      <a:lvl3pPr marL="457200" indent="-228600" algn="l" defTabSz="914400" rtl="0" eaLnBrk="1" latinLnBrk="0" hangingPunct="1">
-        <a:lnSpc>
-          <a:spcPts val="1600"/>
-        </a:lnSpc>
-        <a:spcBef>
-          <a:spcPts val="0"/>
-        </a:spcBef>
-        <a:spcAft>
-          <a:spcPts val="600"/>
-        </a:spcAft>
-        <a:buClr>
-          <a:schemeClr val="accent1"/>
-        </a:buClr>
-        <a:buFont typeface="Arial" panose="020B0604020202020204" pitchFamily="34" charset="0"/>
-        <a:buChar char="•"/>
-        <a:defRPr sz="1400" kern="1200">
-          <a:solidFill>
-            <a:schemeClr val="tx1"/>
-          </a:solidFill>
-          <a:latin typeface="+mn-lt"/>
-          <a:ea typeface="+mn-ea"/>
-          <a:cs typeface="+mn-cs"/>
-        </a:defRPr>
-      </a:lvl3pPr>
-      <a:lvl4pPr marL="690563" indent="-233363" algn="l" defTabSz="914400" rtl="0" eaLnBrk="1" latinLnBrk="0" hangingPunct="1">
-        <a:lnSpc>
-          <a:spcPts val="1400"/>
-        </a:lnSpc>
-        <a:spcBef>
-          <a:spcPts val="0"/>
-        </a:spcBef>
-        <a:spcAft>
-          <a:spcPts val="600"/>
-        </a:spcAft>
-        <a:buClr>
-          <a:schemeClr val="accent1"/>
-        </a:buClr>
-        <a:buFont typeface="Arial" panose="020B0604020202020204" pitchFamily="34" charset="0"/>
-        <a:buChar char="‒"/>
-        <a:defRPr sz="1200" kern="1200">
-          <a:solidFill>
-            <a:schemeClr val="tx1"/>
-          </a:solidFill>
-          <a:latin typeface="+mn-lt"/>
-          <a:ea typeface="+mn-ea"/>
-          <a:cs typeface="+mn-cs"/>
-        </a:defRPr>
-      </a:lvl4pPr>
-      <a:lvl5pPr marL="2057400" indent="-228600" algn="l" defTabSz="914400" rtl="0" eaLnBrk="1" latinLnBrk="0" hangingPunct="1">
-        <a:lnSpc>
-          <a:spcPct val="90000"/>
-        </a:lnSpc>
-        <a:spcBef>
-          <a:spcPts val="500"/>
-        </a:spcBef>
-        <a:buFont typeface="Arial" panose="020B0604020202020204" pitchFamily="34" charset="0"/>
-        <a:buChar char="•"/>
-        <a:defRPr sz="1100" kern="1200">
-          <a:solidFill>
-            <a:schemeClr val="tx1"/>
-          </a:solidFill>
-          <a:latin typeface="+mn-lt"/>
-          <a:ea typeface="+mn-ea"/>
-          <a:cs typeface="+mn-cs"/>
-        </a:defRPr>
-      </a:lvl5pPr>
-      <a:lvl6pPr marL="2514600" indent="-228600" algn="l" defTabSz="914400" rtl="0" eaLnBrk="1" latinLnBrk="0" hangingPunct="1">
-        <a:lnSpc>
-          <a:spcPct val="90000"/>
-        </a:lnSpc>
-        <a:spcBef>
-          <a:spcPts val="500"/>
-        </a:spcBef>
-        <a:buFont typeface="Arial" panose="020B0604020202020204" pitchFamily="34" charset="0"/>
-        <a:buChar char="•"/>
-        <a:defRPr sz="1800" kern="1200">
-          <a:solidFill>
-            <a:schemeClr val="tx1"/>
-          </a:solidFill>
-          <a:latin typeface="+mn-lt"/>
-          <a:ea typeface="+mn-ea"/>
-          <a:cs typeface="+mn-cs"/>
-        </a:defRPr>
-      </a:lvl6pPr>
-      <a:lvl7pPr marL="2971800" indent="-228600" algn="l" defTabSz="914400" rtl="0" eaLnBrk="1" latinLnBrk="0" hangingPunct="1">
-        <a:lnSpc>
-          <a:spcPct val="90000"/>
-        </a:lnSpc>
-        <a:spcBef>
-          <a:spcPts val="500"/>
-        </a:spcBef>
-        <a:buFont typeface="Arial" panose="020B0604020202020204" pitchFamily="34" charset="0"/>
-        <a:buChar char="•"/>
-        <a:defRPr sz="1800" kern="1200">
-          <a:solidFill>
-            <a:schemeClr val="tx1"/>
-          </a:solidFill>
-          <a:latin typeface="+mn-lt"/>
-          <a:ea typeface="+mn-ea"/>
-          <a:cs typeface="+mn-cs"/>
-        </a:defRPr>
-      </a:lvl7pPr>
-      <a:lvl8pPr marL="3429000" indent="-228600" algn="l" defTabSz="914400" rtl="0" eaLnBrk="1" latinLnBrk="0" hangingPunct="1">
-        <a:lnSpc>
-          <a:spcPct val="90000"/>
-        </a:lnSpc>
-        <a:spcBef>
-          <a:spcPts val="500"/>
-        </a:spcBef>
-        <a:buFont typeface="Arial" panose="020B0604020202020204" pitchFamily="34" charset="0"/>
-        <a:buChar char="•"/>
-        <a:defRPr sz="1800" kern="1200">
-          <a:solidFill>
-            <a:schemeClr val="tx1"/>
-          </a:solidFill>
-          <a:latin typeface="+mn-lt"/>
-          <a:ea typeface="+mn-ea"/>
-          <a:cs typeface="+mn-cs"/>
-        </a:defRPr>
-      </a:lvl8pPr>
-      <a:lvl9pPr marL="3886200" indent="-228600" algn="l" defTabSz="914400" rtl="0" eaLnBrk="1" latinLnBrk="0" hangingPunct="1">
-        <a:lnSpc>
-          <a:spcPct val="90000"/>
-        </a:lnSpc>
-        <a:spcBef>
-          <a:spcPts val="500"/>
-        </a:spcBef>
-        <a:buFont typeface="Arial" panose="020B0604020202020204" pitchFamily="34" charset="0"/>
-        <a:buChar char="•"/>
-        <a:defRPr sz="1800" kern="1200">
-          <a:solidFill>
-            <a:schemeClr val="tx1"/>
-          </a:solidFill>
-          <a:latin typeface="+mn-lt"/>
-          <a:ea typeface="+mn-ea"/>
-          <a:cs typeface="+mn-cs"/>
-        </a:defRPr>
-      </a:lvl9pPr>
-    </p:bodyStyle>
-    <p:otherStyle>
-      <a:defPPr>
-        <a:defRPr lang="pt-PT"/>
-      </a:defPPr>
-      <a:lvl1pPr marL="0" algn="l" defTabSz="914400" rtl="0" eaLnBrk="1" latinLnBrk="0" hangingPunct="1">
-        <a:defRPr sz="1800" kern="1200">
-          <a:solidFill>
-            <a:schemeClr val="tx1"/>
-          </a:solidFill>
-          <a:latin typeface="+mn-lt"/>
-          <a:ea typeface="+mn-ea"/>
-          <a:cs typeface="+mn-cs"/>
-        </a:defRPr>
-      </a:lvl1pPr>
-      <a:lvl2pPr marL="457200" algn="l" defTabSz="914400" rtl="0" eaLnBrk="1" latinLnBrk="0" hangingPunct="1">
-        <a:defRPr sz="1800" kern="1200">
-          <a:solidFill>
-            <a:schemeClr val="tx1"/>
-          </a:solidFill>
-          <a:latin typeface="+mn-lt"/>
-          <a:ea typeface="+mn-ea"/>
-          <a:cs typeface="+mn-cs"/>
-        </a:defRPr>
-      </a:lvl2pPr>
-      <a:lvl3pPr marL="914400" algn="l" defTabSz="914400" rtl="0" eaLnBrk="1" latinLnBrk="0" hangingPunct="1">
-        <a:defRPr sz="1800" kern="1200">
-          <a:solidFill>
-            <a:schemeClr val="tx1"/>
-          </a:solidFill>
-          <a:latin typeface="+mn-lt"/>
-          <a:ea typeface="+mn-ea"/>
-          <a:cs typeface="+mn-cs"/>
-        </a:defRPr>
-      </a:lvl3pPr>
-      <a:lvl4pPr marL="1371600" algn="l" defTabSz="914400" rtl="0" eaLnBrk="1" latinLnBrk="0" hangingPunct="1">
-        <a:defRPr sz="1800" kern="1200">
-          <a:solidFill>
-            <a:schemeClr val="tx1"/>
-          </a:solidFill>
-          <a:latin typeface="+mn-lt"/>
-          <a:ea typeface="+mn-ea"/>
-          <a:cs typeface="+mn-cs"/>
-        </a:defRPr>
-      </a:lvl4pPr>
-      <a:lvl5pPr marL="1828800" algn="l" defTabSz="914400" rtl="0" eaLnBrk="1" latinLnBrk="0" hangingPunct="1">
-        <a:defRPr sz="1800" kern="1200">
-          <a:solidFill>
-            <a:schemeClr val="tx1"/>
-          </a:solidFill>
-          <a:latin typeface="+mn-lt"/>
-          <a:ea typeface="+mn-ea"/>
-          <a:cs typeface="+mn-cs"/>
-        </a:defRPr>
-      </a:lvl5pPr>
-      <a:lvl6pPr marL="2286000" algn="l" defTabSz="914400" rtl="0" eaLnBrk="1" latinLnBrk="0" hangingPunct="1">
-        <a:defRPr sz="1800" kern="1200">
-          <a:solidFill>
-            <a:schemeClr val="tx1"/>
-          </a:solidFill>
-          <a:latin typeface="+mn-lt"/>
-          <a:ea typeface="+mn-ea"/>
-          <a:cs typeface="+mn-cs"/>
-        </a:defRPr>
-      </a:lvl6pPr>
-      <a:lvl7pPr marL="2743200" algn="l" defTabSz="914400" rtl="0" eaLnBrk="1" latinLnBrk="0" hangingPunct="1">
-        <a:defRPr sz="1800" kern="1200">
-          <a:solidFill>
-            <a:schemeClr val="tx1"/>
-          </a:solidFill>
-          <a:latin typeface="+mn-lt"/>
-          <a:ea typeface="+mn-ea"/>
-          <a:cs typeface="+mn-cs"/>
-        </a:defRPr>
-      </a:lvl7pPr>
-      <a:lvl8pPr marL="3200400" algn="l" defTabSz="914400" rtl="0" eaLnBrk="1" latinLnBrk="0" hangingPunct="1">
-        <a:defRPr sz="1800" kern="1200">
-          <a:solidFill>
-            <a:schemeClr val="tx1"/>
-          </a:solidFill>
-          <a:latin typeface="+mn-lt"/>
-          <a:ea typeface="+mn-ea"/>
-          <a:cs typeface="+mn-cs"/>
-        </a:defRPr>
-      </a:lvl8pPr>
-      <a:lvl9pPr marL="3657600" algn="l" defTabSz="914400" rtl="0" eaLnBrk="1" latinLnBrk="0" hangingPunct="1">
-        <a:defRPr sz="1800" kern="1200">
-          <a:solidFill>
-            <a:schemeClr val="tx1"/>
-          </a:solidFill>
-          <a:latin typeface="+mn-lt"/>
-          <a:ea typeface="+mn-ea"/>
-          <a:cs typeface="+mn-cs"/>
-        </a:defRPr>
-      </a:lvl9pPr>
-    </p:otherStyle>
-  </p:txStyles>
-  <p:extLst mod="1">
-    <p:ext uri="{27BBF7A9-308A-43DC-89C8-2F10F3537804}">
-      <p15:sldGuideLst xmlns="" xmlns:p15="http://schemas.microsoft.com/office/powerpoint/2012/main">
-        <p15:guide id="1" orient="horz" pos="255" userDrawn="1">
-          <p15:clr>
-            <a:srgbClr val="F26B43"/>
-          </p15:clr>
-        </p15:guide>
-        <p15:guide id="3" pos="7423" userDrawn="1">
-          <p15:clr>
-            <a:srgbClr val="F26B43"/>
-          </p15:clr>
-        </p15:guide>
-        <p15:guide id="4" pos="257" userDrawn="1">
-          <p15:clr>
-            <a:srgbClr val="F26B43"/>
-          </p15:clr>
-        </p15:guide>
-        <p15:guide id="5" orient="horz" pos="4065" userDrawn="1">
-          <p15:clr>
-            <a:srgbClr val="F26B43"/>
-          </p15:clr>
-        </p15:guide>
-        <p15:guide id="6" orient="horz" pos="799" userDrawn="1">
-          <p15:clr>
-            <a:srgbClr val="F26B43"/>
-          </p15:clr>
-        </p15:guide>
-        <p15:guide id="7" orient="horz" pos="890" userDrawn="1">
-          <p15:clr>
-            <a:srgbClr val="F26B43"/>
-          </p15:clr>
-        </p15:guide>
-      </p15:sldGuideLst>
-    </p:ext>
-  </p:extLst>
-</p:sldMaster>
-</file>
-
-<file path=ppt/slideMasters/slideMaster3.xml><?xml version="1.0" encoding="utf-8"?>
-<p:sldMaster xmlns:a="http://schemas.openxmlformats.org/drawingml/2006/main" xmlns:r="http://schemas.openxmlformats.org/officeDocument/2006/relationships" xmlns:p="http://schemas.openxmlformats.org/presentationml/2006/main" preserve="1">
-  <p:cSld>
-    <p:bg>
-      <p:bgPr>
-        <a:solidFill>
-          <a:schemeClr val="bg1"/>
-        </a:solidFill>
-        <a:effectLst/>
-      </p:bgPr>
-    </p:bg>
-    <p:spTree>
-      <p:nvGrpSpPr>
-        <p:cNvPr id="1" name=""/>
-        <p:cNvGrpSpPr/>
-        <p:nvPr/>
-      </p:nvGrpSpPr>
-      <p:grpSpPr>
-        <a:xfrm>
-          <a:off x="0" y="0"/>
-          <a:ext cx="0" cy="0"/>
-          <a:chOff x="0" y="0"/>
-          <a:chExt cx="0" cy="0"/>
-        </a:xfrm>
-      </p:grpSpPr>
-      <p:sp>
-        <p:nvSpPr>
           <p:cNvPr id="2" name="Title Placeholder 1">
             <a:extLst>
               <a:ext uri="{FF2B5EF4-FFF2-40B4-BE49-F238E27FC236}">
-                <a16:creationId xmlns="" xmlns:a16="http://schemas.microsoft.com/office/drawing/2014/main" id="{F2EB016D-CF9A-4584-982E-40465F70132F}"/>
+                <a16:creationId xmlns:a16="http://schemas.microsoft.com/office/drawing/2014/main" xmlns="" id="{F2EB016D-CF9A-4584-982E-40465F70132F}"/>
               </a:ext>
             </a:extLst>
           </p:cNvPr>
@@ -5384,7 +3931,7 @@
           <p:cNvPr id="9" name="Graphic 4">
             <a:extLst>
               <a:ext uri="{FF2B5EF4-FFF2-40B4-BE49-F238E27FC236}">
-                <a16:creationId xmlns="" xmlns:a16="http://schemas.microsoft.com/office/drawing/2014/main" id="{25EEA1D4-3AF7-42D7-AE97-AE404AECFAEB}"/>
+                <a16:creationId xmlns:a16="http://schemas.microsoft.com/office/drawing/2014/main" xmlns="" id="{25EEA1D4-3AF7-42D7-AE97-AE404AECFAEB}"/>
               </a:ext>
             </a:extLst>
           </p:cNvPr>
@@ -5394,14 +3941,14 @@
           <p:nvPr userDrawn="1"/>
         </p:nvPicPr>
         <p:blipFill rotWithShape="1">
-          <a:blip r:embed="rId6" cstate="print">
+          <a:blip r:embed="rId5" cstate="print">
             <a:extLst>
               <a:ext uri="{96DAC541-7B7A-43D3-8B79-37D633B846F1}">
-                <asvg:svgBlip xmlns="" xmlns:asvg="http://schemas.microsoft.com/office/drawing/2016/SVG/main" r:embed="rId7"/>
+                <asvg:svgBlip xmlns:asvg="http://schemas.microsoft.com/office/drawing/2016/SVG/main" xmlns="" r:embed="rId7"/>
               </a:ext>
             </a:extLst>
           </a:blip>
-          <a:srcRect l="81836" t="-4713" b="16530"/>
+          <a:srcRect t="-5665"/>
           <a:stretch/>
         </p:blipFill>
         <p:spPr>
@@ -5419,7 +3966,7 @@
           <p:cNvPr id="13" name="Text Placeholder 2">
             <a:extLst>
               <a:ext uri="{FF2B5EF4-FFF2-40B4-BE49-F238E27FC236}">
-                <a16:creationId xmlns="" xmlns:a16="http://schemas.microsoft.com/office/drawing/2014/main" id="{AF310831-D03E-404B-934F-73B268225B7E}"/>
+                <a16:creationId xmlns:a16="http://schemas.microsoft.com/office/drawing/2014/main" xmlns="" id="{AF310831-D03E-404B-934F-73B268225B7E}"/>
               </a:ext>
             </a:extLst>
           </p:cNvPr>
@@ -7124,16 +5671,15 @@
     </p:spTree>
     <p:extLst>
       <p:ext uri="{BB962C8B-B14F-4D97-AF65-F5344CB8AC3E}">
-        <p14:creationId xmlns="" xmlns:p14="http://schemas.microsoft.com/office/powerpoint/2010/main" val="1762778664"/>
+        <p14:creationId xmlns:p14="http://schemas.microsoft.com/office/powerpoint/2010/main" xmlns="" val="1762778664"/>
       </p:ext>
     </p:extLst>
   </p:cSld>
   <p:clrMap bg1="lt1" tx1="dk1" bg2="lt2" tx2="dk2" accent1="accent1" accent2="accent2" accent3="accent3" accent4="accent4" accent5="accent5" accent6="accent6" hlink="hlink" folHlink="folHlink"/>
   <p:sldLayoutIdLst>
     <p:sldLayoutId id="2147483672" r:id="rId1"/>
-    <p:sldLayoutId id="2147483733" r:id="rId2"/>
-    <p:sldLayoutId id="2147483799" r:id="rId3"/>
-    <p:sldLayoutId id="2147483814" r:id="rId4"/>
+    <p:sldLayoutId id="2147483799" r:id="rId2"/>
+    <p:sldLayoutId id="2147483814" r:id="rId3"/>
   </p:sldLayoutIdLst>
   <p:txStyles>
     <p:titleStyle>
@@ -7438,7 +5984,7 @@
   </p:txStyles>
   <p:extLst mod="1">
     <p:ext uri="{27BBF7A9-308A-43DC-89C8-2F10F3537804}">
-      <p15:sldGuideLst xmlns="" xmlns:p15="http://schemas.microsoft.com/office/powerpoint/2012/main">
+      <p15:sldGuideLst xmlns:p15="http://schemas.microsoft.com/office/powerpoint/2012/main" xmlns="">
         <p15:guide id="1" orient="horz" pos="255" userDrawn="1">
           <p15:clr>
             <a:srgbClr val="F26B43"/>
@@ -7450,2229 +5996,6 @@
           </p15:clr>
         </p15:guide>
         <p15:guide id="3" pos="257" userDrawn="1">
-          <p15:clr>
-            <a:srgbClr val="F26B43"/>
-          </p15:clr>
-        </p15:guide>
-        <p15:guide id="4" orient="horz" pos="4065" userDrawn="1">
-          <p15:clr>
-            <a:srgbClr val="F26B43"/>
-          </p15:clr>
-        </p15:guide>
-        <p15:guide id="5" orient="horz" pos="799" userDrawn="1">
-          <p15:clr>
-            <a:srgbClr val="F26B43"/>
-          </p15:clr>
-        </p15:guide>
-        <p15:guide id="6" orient="horz" pos="890" userDrawn="1">
-          <p15:clr>
-            <a:srgbClr val="F26B43"/>
-          </p15:clr>
-        </p15:guide>
-        <p15:guide id="7" pos="3840" userDrawn="1">
-          <p15:clr>
-            <a:srgbClr val="F26B43"/>
-          </p15:clr>
-        </p15:guide>
-        <p15:guide id="8" pos="3749" userDrawn="1">
-          <p15:clr>
-            <a:srgbClr val="F26B43"/>
-          </p15:clr>
-        </p15:guide>
-        <p15:guide id="9" pos="3931" userDrawn="1">
-          <p15:clr>
-            <a:srgbClr val="F26B43"/>
-          </p15:clr>
-        </p15:guide>
-      </p15:sldGuideLst>
-    </p:ext>
-  </p:extLst>
-</p:sldMaster>
-</file>
-
-<file path=ppt/slideMasters/slideMaster4.xml><?xml version="1.0" encoding="utf-8"?>
-<p:sldMaster xmlns:a="http://schemas.openxmlformats.org/drawingml/2006/main" xmlns:r="http://schemas.openxmlformats.org/officeDocument/2006/relationships" xmlns:p="http://schemas.openxmlformats.org/presentationml/2006/main" preserve="1">
-  <p:cSld>
-    <p:bg>
-      <p:bgPr>
-        <a:solidFill>
-          <a:schemeClr val="bg1"/>
-        </a:solidFill>
-        <a:effectLst/>
-      </p:bgPr>
-    </p:bg>
-    <p:spTree>
-      <p:nvGrpSpPr>
-        <p:cNvPr id="1" name=""/>
-        <p:cNvGrpSpPr/>
-        <p:nvPr/>
-      </p:nvGrpSpPr>
-      <p:grpSpPr>
-        <a:xfrm>
-          <a:off x="0" y="0"/>
-          <a:ext cx="0" cy="0"/>
-          <a:chOff x="0" y="0"/>
-          <a:chExt cx="0" cy="0"/>
-        </a:xfrm>
-      </p:grpSpPr>
-      <p:sp>
-        <p:nvSpPr>
-          <p:cNvPr id="16" name="Rectangle 15"/>
-          <p:cNvSpPr/>
-          <p:nvPr userDrawn="1"/>
-        </p:nvSpPr>
-        <p:spPr>
-          <a:xfrm>
-            <a:off x="0" y="0"/>
-            <a:ext cx="12192000" cy="6858000"/>
-          </a:xfrm>
-          <a:prstGeom prst="rect">
-            <a:avLst/>
-          </a:prstGeom>
-          <a:solidFill>
-            <a:schemeClr val="bg2"/>
-          </a:solidFill>
-          <a:ln>
-            <a:noFill/>
-          </a:ln>
-        </p:spPr>
-        <p:style>
-          <a:lnRef idx="2">
-            <a:schemeClr val="accent1">
-              <a:shade val="50000"/>
-            </a:schemeClr>
-          </a:lnRef>
-          <a:fillRef idx="1">
-            <a:schemeClr val="accent1"/>
-          </a:fillRef>
-          <a:effectRef idx="0">
-            <a:schemeClr val="accent1"/>
-          </a:effectRef>
-          <a:fontRef idx="minor">
-            <a:schemeClr val="lt1"/>
-          </a:fontRef>
-        </p:style>
-        <p:txBody>
-          <a:bodyPr rtlCol="0" anchor="ctr"/>
-          <a:lstStyle/>
-          <a:p>
-            <a:pPr algn="ctr"/>
-            <a:endParaRPr lang="en-US" dirty="0"/>
-          </a:p>
-        </p:txBody>
-      </p:sp>
-      <p:pic>
-        <p:nvPicPr>
-          <p:cNvPr id="13" name="Graphic 4">
-            <a:extLst>
-              <a:ext uri="{FF2B5EF4-FFF2-40B4-BE49-F238E27FC236}">
-                <a16:creationId xmlns="" xmlns:a16="http://schemas.microsoft.com/office/drawing/2014/main" id="{25EEA1D4-3AF7-42D7-AE97-AE404AECFAEB}"/>
-              </a:ext>
-            </a:extLst>
-          </p:cNvPr>
-          <p:cNvPicPr>
-            <a:picLocks noChangeAspect="1"/>
-          </p:cNvPicPr>
-          <p:nvPr userDrawn="1"/>
-        </p:nvPicPr>
-        <p:blipFill rotWithShape="1">
-          <a:blip r:embed="rId3" cstate="print">
-            <a:extLst>
-              <a:ext uri="{96DAC541-7B7A-43D3-8B79-37D633B846F1}">
-                <asvg:svgBlip xmlns="" xmlns:asvg="http://schemas.microsoft.com/office/drawing/2016/SVG/main" r:embed="rId4"/>
-              </a:ext>
-            </a:extLst>
-          </a:blip>
-          <a:srcRect l="81836" t="-4713" b="16530"/>
-          <a:stretch/>
-        </p:blipFill>
-        <p:spPr>
-          <a:xfrm>
-            <a:off x="11547793" y="188640"/>
-            <a:ext cx="424356" cy="459624"/>
-          </a:xfrm>
-          <a:prstGeom prst="rect">
-            <a:avLst/>
-          </a:prstGeom>
-        </p:spPr>
-      </p:pic>
-      <p:sp>
-        <p:nvSpPr>
-          <p:cNvPr id="14" name="Title Placeholder 1">
-            <a:extLst>
-              <a:ext uri="{FF2B5EF4-FFF2-40B4-BE49-F238E27FC236}">
-                <a16:creationId xmlns="" xmlns:a16="http://schemas.microsoft.com/office/drawing/2014/main" id="{F2EB016D-CF9A-4584-982E-40465F70132F}"/>
-              </a:ext>
-            </a:extLst>
-          </p:cNvPr>
-          <p:cNvSpPr>
-            <a:spLocks noGrp="1"/>
-          </p:cNvSpPr>
-          <p:nvPr>
-            <p:ph type="title"/>
-          </p:nvPr>
-        </p:nvSpPr>
-        <p:spPr>
-          <a:xfrm>
-            <a:off x="407988" y="404813"/>
-            <a:ext cx="11016604" cy="863601"/>
-          </a:xfrm>
-          <a:prstGeom prst="rect">
-            <a:avLst/>
-          </a:prstGeom>
-        </p:spPr>
-        <p:txBody>
-          <a:bodyPr vert="horz" lIns="0" tIns="0" rIns="0" bIns="0" rtlCol="0" anchor="t">
-            <a:normAutofit/>
-          </a:bodyPr>
-          <a:lstStyle/>
-          <a:p>
-            <a:pPr lvl="0">
-              <a:lnSpc>
-                <a:spcPts val="3000"/>
-              </a:lnSpc>
-            </a:pPr>
-            <a:r>
-              <a:rPr lang="en-US" dirty="0"/>
-              <a:t>Click to edit Master title style</a:t>
-            </a:r>
-            <a:endParaRPr lang="pt-PT" dirty="0"/>
-          </a:p>
-        </p:txBody>
-      </p:sp>
-      <p:sp>
-        <p:nvSpPr>
-          <p:cNvPr id="15" name="Text Placeholder 2">
-            <a:extLst>
-              <a:ext uri="{FF2B5EF4-FFF2-40B4-BE49-F238E27FC236}">
-                <a16:creationId xmlns="" xmlns:a16="http://schemas.microsoft.com/office/drawing/2014/main" id="{AF310831-D03E-404B-934F-73B268225B7E}"/>
-              </a:ext>
-            </a:extLst>
-          </p:cNvPr>
-          <p:cNvSpPr>
-            <a:spLocks noGrp="1"/>
-          </p:cNvSpPr>
-          <p:nvPr>
-            <p:ph type="body" idx="1"/>
-          </p:nvPr>
-        </p:nvSpPr>
-        <p:spPr>
-          <a:xfrm>
-            <a:off x="413067" y="1412875"/>
-            <a:ext cx="11370945" cy="5040313"/>
-          </a:xfrm>
-          <a:prstGeom prst="rect">
-            <a:avLst/>
-          </a:prstGeom>
-        </p:spPr>
-        <p:txBody>
-          <a:bodyPr vert="horz" lIns="0" tIns="0" rIns="0" bIns="0" rtlCol="0">
-            <a:normAutofit/>
-          </a:bodyPr>
-          <a:lstStyle/>
-          <a:p>
-            <a:pPr lvl="0"/>
-            <a:r>
-              <a:rPr lang="en-US" dirty="0"/>
-              <a:t>Edit Master text styles</a:t>
-            </a:r>
-          </a:p>
-          <a:p>
-            <a:pPr lvl="1"/>
-            <a:r>
-              <a:rPr lang="en-US" dirty="0"/>
-              <a:t>Second level</a:t>
-            </a:r>
-          </a:p>
-          <a:p>
-            <a:pPr lvl="2"/>
-            <a:r>
-              <a:rPr lang="en-US" dirty="0"/>
-              <a:t>Third level</a:t>
-            </a:r>
-          </a:p>
-          <a:p>
-            <a:pPr lvl="3"/>
-            <a:r>
-              <a:rPr lang="en-US" dirty="0"/>
-              <a:t>Fourth level</a:t>
-            </a:r>
-          </a:p>
-        </p:txBody>
-      </p:sp>
-      <p:sp>
-        <p:nvSpPr>
-          <p:cNvPr id="6" name="Rectangle 5"/>
-          <p:cNvSpPr/>
-          <p:nvPr userDrawn="1"/>
-        </p:nvSpPr>
-        <p:spPr>
-          <a:xfrm>
-            <a:off x="12496801" y="1590548"/>
-            <a:ext cx="595070" cy="621323"/>
-          </a:xfrm>
-          <a:prstGeom prst="rect">
-            <a:avLst/>
-          </a:prstGeom>
-          <a:solidFill>
-            <a:schemeClr val="accent1"/>
-          </a:solidFill>
-          <a:ln>
-            <a:noFill/>
-          </a:ln>
-        </p:spPr>
-        <p:style>
-          <a:lnRef idx="2">
-            <a:schemeClr val="accent1">
-              <a:shade val="50000"/>
-            </a:schemeClr>
-          </a:lnRef>
-          <a:fillRef idx="1">
-            <a:schemeClr val="accent1"/>
-          </a:fillRef>
-          <a:effectRef idx="0">
-            <a:schemeClr val="accent1"/>
-          </a:effectRef>
-          <a:fontRef idx="minor">
-            <a:schemeClr val="lt1"/>
-          </a:fontRef>
-        </p:style>
-        <p:txBody>
-          <a:bodyPr wrap="square" lIns="0" tIns="0" rIns="0" bIns="0" rtlCol="0" anchor="ctr"/>
-          <a:lstStyle/>
-          <a:p>
-            <a:pPr algn="ctr">
-              <a:spcAft>
-                <a:spcPts val="400"/>
-              </a:spcAft>
-            </a:pPr>
-            <a:r>
-              <a:rPr lang="en-US" sz="600" b="1" dirty="0"/>
-              <a:t>Capgemini Blue</a:t>
-            </a:r>
-          </a:p>
-          <a:p>
-            <a:pPr marL="171450"/>
-            <a:r>
-              <a:rPr lang="en-US" sz="600" dirty="0"/>
-              <a:t>R 0</a:t>
-            </a:r>
-          </a:p>
-          <a:p>
-            <a:pPr marL="171450"/>
-            <a:r>
-              <a:rPr lang="en-US" sz="600" dirty="0"/>
-              <a:t>G 112</a:t>
-            </a:r>
-          </a:p>
-          <a:p>
-            <a:pPr marL="171450"/>
-            <a:r>
-              <a:rPr lang="en-US" sz="600" dirty="0"/>
-              <a:t>B 173</a:t>
-            </a:r>
-          </a:p>
-        </p:txBody>
-      </p:sp>
-      <p:sp>
-        <p:nvSpPr>
-          <p:cNvPr id="7" name="Rectangle 6"/>
-          <p:cNvSpPr/>
-          <p:nvPr userDrawn="1"/>
-        </p:nvSpPr>
-        <p:spPr>
-          <a:xfrm>
-            <a:off x="13091871" y="1590548"/>
-            <a:ext cx="595070" cy="621323"/>
-          </a:xfrm>
-          <a:prstGeom prst="rect">
-            <a:avLst/>
-          </a:prstGeom>
-          <a:solidFill>
-            <a:schemeClr val="accent2"/>
-          </a:solidFill>
-          <a:ln>
-            <a:noFill/>
-          </a:ln>
-        </p:spPr>
-        <p:style>
-          <a:lnRef idx="2">
-            <a:schemeClr val="accent1">
-              <a:shade val="50000"/>
-            </a:schemeClr>
-          </a:lnRef>
-          <a:fillRef idx="1">
-            <a:schemeClr val="accent1"/>
-          </a:fillRef>
-          <a:effectRef idx="0">
-            <a:schemeClr val="accent1"/>
-          </a:effectRef>
-          <a:fontRef idx="minor">
-            <a:schemeClr val="lt1"/>
-          </a:fontRef>
-        </p:style>
-        <p:txBody>
-          <a:bodyPr wrap="square" lIns="0" tIns="0" rIns="0" bIns="0" rtlCol="0" anchor="ctr"/>
-          <a:lstStyle/>
-          <a:p>
-            <a:pPr algn="ctr">
-              <a:spcAft>
-                <a:spcPts val="400"/>
-              </a:spcAft>
-            </a:pPr>
-            <a:r>
-              <a:rPr lang="en-US" sz="600" b="1" dirty="0"/>
-              <a:t>Vibrant</a:t>
-            </a:r>
-            <a:br>
-              <a:rPr lang="en-US" sz="600" b="1" dirty="0"/>
-            </a:br>
-            <a:r>
-              <a:rPr lang="en-US" sz="600" b="1" dirty="0"/>
-              <a:t>Blue</a:t>
-            </a:r>
-          </a:p>
-          <a:p>
-            <a:pPr marL="171450"/>
-            <a:r>
-              <a:rPr lang="en-US" sz="600" dirty="0"/>
-              <a:t>R 18</a:t>
-            </a:r>
-          </a:p>
-          <a:p>
-            <a:pPr marL="171450"/>
-            <a:r>
-              <a:rPr lang="en-US" sz="600" dirty="0"/>
-              <a:t>G 171</a:t>
-            </a:r>
-          </a:p>
-          <a:p>
-            <a:pPr marL="171450"/>
-            <a:r>
-              <a:rPr lang="en-US" sz="600" dirty="0"/>
-              <a:t>B 219</a:t>
-            </a:r>
-          </a:p>
-        </p:txBody>
-      </p:sp>
-      <p:sp>
-        <p:nvSpPr>
-          <p:cNvPr id="8" name="Rectangle 7"/>
-          <p:cNvSpPr/>
-          <p:nvPr userDrawn="1"/>
-        </p:nvSpPr>
-        <p:spPr>
-          <a:xfrm>
-            <a:off x="13686941" y="1590548"/>
-            <a:ext cx="595070" cy="621323"/>
-          </a:xfrm>
-          <a:prstGeom prst="rect">
-            <a:avLst/>
-          </a:prstGeom>
-          <a:solidFill>
-            <a:schemeClr val="accent3"/>
-          </a:solidFill>
-          <a:ln>
-            <a:noFill/>
-          </a:ln>
-        </p:spPr>
-        <p:style>
-          <a:lnRef idx="2">
-            <a:schemeClr val="accent1">
-              <a:shade val="50000"/>
-            </a:schemeClr>
-          </a:lnRef>
-          <a:fillRef idx="1">
-            <a:schemeClr val="accent1"/>
-          </a:fillRef>
-          <a:effectRef idx="0">
-            <a:schemeClr val="accent1"/>
-          </a:effectRef>
-          <a:fontRef idx="minor">
-            <a:schemeClr val="lt1"/>
-          </a:fontRef>
-        </p:style>
-        <p:txBody>
-          <a:bodyPr wrap="square" lIns="0" tIns="0" rIns="0" bIns="0" rtlCol="0" anchor="ctr"/>
-          <a:lstStyle/>
-          <a:p>
-            <a:pPr algn="ctr">
-              <a:spcAft>
-                <a:spcPts val="400"/>
-              </a:spcAft>
-            </a:pPr>
-            <a:r>
-              <a:rPr lang="en-US" sz="600" b="1" dirty="0"/>
-              <a:t>Deep</a:t>
-            </a:r>
-            <a:br>
-              <a:rPr lang="en-US" sz="600" b="1" dirty="0"/>
-            </a:br>
-            <a:r>
-              <a:rPr lang="en-US" sz="600" b="1" dirty="0"/>
-              <a:t>Purple</a:t>
-            </a:r>
-          </a:p>
-          <a:p>
-            <a:pPr marL="171450"/>
-            <a:r>
-              <a:rPr lang="en-US" sz="600" dirty="0"/>
-              <a:t>R 43</a:t>
-            </a:r>
-          </a:p>
-          <a:p>
-            <a:pPr marL="171450"/>
-            <a:r>
-              <a:rPr lang="en-US" sz="600" dirty="0"/>
-              <a:t>G 10</a:t>
-            </a:r>
-          </a:p>
-          <a:p>
-            <a:pPr marL="171450"/>
-            <a:r>
-              <a:rPr lang="en-US" sz="600" dirty="0"/>
-              <a:t>B 61</a:t>
-            </a:r>
-          </a:p>
-        </p:txBody>
-      </p:sp>
-      <p:sp>
-        <p:nvSpPr>
-          <p:cNvPr id="9" name="Rectangle 8"/>
-          <p:cNvSpPr/>
-          <p:nvPr userDrawn="1"/>
-        </p:nvSpPr>
-        <p:spPr>
-          <a:xfrm>
-            <a:off x="14282011" y="1590548"/>
-            <a:ext cx="595070" cy="621323"/>
-          </a:xfrm>
-          <a:prstGeom prst="rect">
-            <a:avLst/>
-          </a:prstGeom>
-          <a:solidFill>
-            <a:schemeClr val="accent4"/>
-          </a:solidFill>
-          <a:ln>
-            <a:noFill/>
-          </a:ln>
-        </p:spPr>
-        <p:style>
-          <a:lnRef idx="2">
-            <a:schemeClr val="accent1">
-              <a:shade val="50000"/>
-            </a:schemeClr>
-          </a:lnRef>
-          <a:fillRef idx="1">
-            <a:schemeClr val="accent1"/>
-          </a:fillRef>
-          <a:effectRef idx="0">
-            <a:schemeClr val="accent1"/>
-          </a:effectRef>
-          <a:fontRef idx="minor">
-            <a:schemeClr val="lt1"/>
-          </a:fontRef>
-        </p:style>
-        <p:txBody>
-          <a:bodyPr wrap="square" lIns="0" tIns="0" rIns="0" bIns="0" rtlCol="0" anchor="ctr"/>
-          <a:lstStyle/>
-          <a:p>
-            <a:pPr algn="ctr">
-              <a:spcAft>
-                <a:spcPts val="400"/>
-              </a:spcAft>
-            </a:pPr>
-            <a:r>
-              <a:rPr lang="en-US" sz="600" b="1" dirty="0"/>
-              <a:t>Tech</a:t>
-            </a:r>
-            <a:br>
-              <a:rPr lang="en-US" sz="600" b="1" dirty="0"/>
-            </a:br>
-            <a:r>
-              <a:rPr lang="en-US" sz="600" b="1" dirty="0"/>
-              <a:t>Red</a:t>
-            </a:r>
-          </a:p>
-          <a:p>
-            <a:pPr marL="171450"/>
-            <a:r>
-              <a:rPr lang="en-US" sz="600" dirty="0"/>
-              <a:t>R 255</a:t>
-            </a:r>
-          </a:p>
-          <a:p>
-            <a:pPr marL="171450"/>
-            <a:r>
-              <a:rPr lang="en-US" sz="600" dirty="0"/>
-              <a:t>G 48</a:t>
-            </a:r>
-          </a:p>
-          <a:p>
-            <a:pPr marL="171450"/>
-            <a:r>
-              <a:rPr lang="en-US" sz="600" dirty="0"/>
-              <a:t>B 76</a:t>
-            </a:r>
-          </a:p>
-        </p:txBody>
-      </p:sp>
-      <p:sp>
-        <p:nvSpPr>
-          <p:cNvPr id="10" name="Rectangle 9"/>
-          <p:cNvSpPr/>
-          <p:nvPr userDrawn="1"/>
-        </p:nvSpPr>
-        <p:spPr>
-          <a:xfrm>
-            <a:off x="14877081" y="1590548"/>
-            <a:ext cx="595070" cy="621323"/>
-          </a:xfrm>
-          <a:prstGeom prst="rect">
-            <a:avLst/>
-          </a:prstGeom>
-          <a:solidFill>
-            <a:schemeClr val="accent5"/>
-          </a:solidFill>
-          <a:ln>
-            <a:noFill/>
-          </a:ln>
-        </p:spPr>
-        <p:style>
-          <a:lnRef idx="2">
-            <a:schemeClr val="accent1">
-              <a:shade val="50000"/>
-            </a:schemeClr>
-          </a:lnRef>
-          <a:fillRef idx="1">
-            <a:schemeClr val="accent1"/>
-          </a:fillRef>
-          <a:effectRef idx="0">
-            <a:schemeClr val="accent1"/>
-          </a:effectRef>
-          <a:fontRef idx="minor">
-            <a:schemeClr val="lt1"/>
-          </a:fontRef>
-        </p:style>
-        <p:txBody>
-          <a:bodyPr wrap="square" lIns="0" tIns="0" rIns="0" bIns="0" rtlCol="0" anchor="ctr"/>
-          <a:lstStyle/>
-          <a:p>
-            <a:pPr algn="ctr">
-              <a:spcAft>
-                <a:spcPts val="400"/>
-              </a:spcAft>
-            </a:pPr>
-            <a:r>
-              <a:rPr lang="en-US" sz="600" b="1" dirty="0"/>
-              <a:t>Zest</a:t>
-            </a:r>
-            <a:br>
-              <a:rPr lang="en-US" sz="600" b="1" dirty="0"/>
-            </a:br>
-            <a:r>
-              <a:rPr lang="en-US" sz="600" b="1" dirty="0"/>
-              <a:t>Green</a:t>
-            </a:r>
-          </a:p>
-          <a:p>
-            <a:pPr marL="171450"/>
-            <a:r>
-              <a:rPr lang="en-US" sz="600" dirty="0"/>
-              <a:t>R 149</a:t>
-            </a:r>
-          </a:p>
-          <a:p>
-            <a:pPr marL="171450"/>
-            <a:r>
-              <a:rPr lang="en-US" sz="600" dirty="0"/>
-              <a:t>G 230</a:t>
-            </a:r>
-          </a:p>
-          <a:p>
-            <a:pPr marL="171450"/>
-            <a:r>
-              <a:rPr lang="en-US" sz="600" dirty="0"/>
-              <a:t>B 22</a:t>
-            </a:r>
-          </a:p>
-        </p:txBody>
-      </p:sp>
-      <p:sp>
-        <p:nvSpPr>
-          <p:cNvPr id="11" name="Rectangle 10"/>
-          <p:cNvSpPr/>
-          <p:nvPr userDrawn="1"/>
-        </p:nvSpPr>
-        <p:spPr>
-          <a:xfrm>
-            <a:off x="12496801" y="2468607"/>
-            <a:ext cx="595070" cy="621323"/>
-          </a:xfrm>
-          <a:prstGeom prst="rect">
-            <a:avLst/>
-          </a:prstGeom>
-          <a:solidFill>
-            <a:srgbClr val="80B8D6"/>
-          </a:solidFill>
-          <a:ln>
-            <a:noFill/>
-          </a:ln>
-        </p:spPr>
-        <p:style>
-          <a:lnRef idx="2">
-            <a:schemeClr val="accent1">
-              <a:shade val="50000"/>
-            </a:schemeClr>
-          </a:lnRef>
-          <a:fillRef idx="1">
-            <a:schemeClr val="accent1"/>
-          </a:fillRef>
-          <a:effectRef idx="0">
-            <a:schemeClr val="accent1"/>
-          </a:effectRef>
-          <a:fontRef idx="minor">
-            <a:schemeClr val="lt1"/>
-          </a:fontRef>
-        </p:style>
-        <p:txBody>
-          <a:bodyPr wrap="square" lIns="0" tIns="0" rIns="0" bIns="0" rtlCol="0" anchor="ctr"/>
-          <a:lstStyle/>
-          <a:p>
-            <a:pPr marL="58738">
-              <a:spcAft>
-                <a:spcPts val="400"/>
-              </a:spcAft>
-            </a:pPr>
-            <a:r>
-              <a:rPr lang="en-US" sz="600" b="1" dirty="0"/>
-              <a:t>Capgemini Blue</a:t>
-            </a:r>
-            <a:r>
-              <a:rPr lang="en-US" sz="600" dirty="0"/>
-              <a:t> (-50%)</a:t>
-            </a:r>
-          </a:p>
-          <a:p>
-            <a:pPr marL="171450"/>
-            <a:r>
-              <a:rPr lang="en-US" sz="600" dirty="0"/>
-              <a:t>R 128</a:t>
-            </a:r>
-          </a:p>
-          <a:p>
-            <a:pPr marL="171450"/>
-            <a:r>
-              <a:rPr lang="en-US" sz="600" dirty="0"/>
-              <a:t>G 184</a:t>
-            </a:r>
-          </a:p>
-          <a:p>
-            <a:pPr marL="171450"/>
-            <a:r>
-              <a:rPr lang="en-US" sz="600" dirty="0"/>
-              <a:t>B 214</a:t>
-            </a:r>
-          </a:p>
-        </p:txBody>
-      </p:sp>
-      <p:sp>
-        <p:nvSpPr>
-          <p:cNvPr id="12" name="Rectangle 11"/>
-          <p:cNvSpPr/>
-          <p:nvPr userDrawn="1"/>
-        </p:nvSpPr>
-        <p:spPr>
-          <a:xfrm>
-            <a:off x="13091871" y="2468607"/>
-            <a:ext cx="595070" cy="621323"/>
-          </a:xfrm>
-          <a:prstGeom prst="rect">
-            <a:avLst/>
-          </a:prstGeom>
-          <a:solidFill>
-            <a:srgbClr val="88D5ED"/>
-          </a:solidFill>
-          <a:ln>
-            <a:noFill/>
-          </a:ln>
-        </p:spPr>
-        <p:style>
-          <a:lnRef idx="2">
-            <a:schemeClr val="accent1">
-              <a:shade val="50000"/>
-            </a:schemeClr>
-          </a:lnRef>
-          <a:fillRef idx="1">
-            <a:schemeClr val="accent1"/>
-          </a:fillRef>
-          <a:effectRef idx="0">
-            <a:schemeClr val="accent1"/>
-          </a:effectRef>
-          <a:fontRef idx="minor">
-            <a:schemeClr val="lt1"/>
-          </a:fontRef>
-        </p:style>
-        <p:txBody>
-          <a:bodyPr wrap="square" lIns="0" tIns="0" rIns="0" bIns="0" rtlCol="0" anchor="ctr"/>
-          <a:lstStyle/>
-          <a:p>
-            <a:pPr marL="58738">
-              <a:spcAft>
-                <a:spcPts val="400"/>
-              </a:spcAft>
-            </a:pPr>
-            <a:r>
-              <a:rPr lang="en-US" sz="600" b="1" dirty="0"/>
-              <a:t>Vibrant</a:t>
-            </a:r>
-            <a:br>
-              <a:rPr lang="en-US" sz="600" b="1" dirty="0"/>
-            </a:br>
-            <a:r>
-              <a:rPr lang="en-US" sz="600" b="1" dirty="0"/>
-              <a:t>Blue</a:t>
-            </a:r>
-            <a:r>
-              <a:rPr lang="en-US" sz="600" dirty="0"/>
-              <a:t> (-50%)</a:t>
-            </a:r>
-          </a:p>
-          <a:p>
-            <a:pPr marL="171450"/>
-            <a:r>
-              <a:rPr lang="en-US" sz="600" dirty="0"/>
-              <a:t>R 136</a:t>
-            </a:r>
-          </a:p>
-          <a:p>
-            <a:pPr marL="171450"/>
-            <a:r>
-              <a:rPr lang="en-US" sz="600" dirty="0"/>
-              <a:t>G 213</a:t>
-            </a:r>
-          </a:p>
-          <a:p>
-            <a:pPr marL="171450"/>
-            <a:r>
-              <a:rPr lang="en-US" sz="600" dirty="0"/>
-              <a:t>B 237</a:t>
-            </a:r>
-          </a:p>
-        </p:txBody>
-      </p:sp>
-      <p:sp>
-        <p:nvSpPr>
-          <p:cNvPr id="17" name="Rectangle 16"/>
-          <p:cNvSpPr/>
-          <p:nvPr userDrawn="1"/>
-        </p:nvSpPr>
-        <p:spPr>
-          <a:xfrm>
-            <a:off x="13686941" y="2468607"/>
-            <a:ext cx="595070" cy="621323"/>
-          </a:xfrm>
-          <a:prstGeom prst="rect">
-            <a:avLst/>
-          </a:prstGeom>
-          <a:solidFill>
-            <a:srgbClr val="6D64CC"/>
-          </a:solidFill>
-          <a:ln>
-            <a:noFill/>
-          </a:ln>
-        </p:spPr>
-        <p:style>
-          <a:lnRef idx="2">
-            <a:schemeClr val="accent1">
-              <a:shade val="50000"/>
-            </a:schemeClr>
-          </a:lnRef>
-          <a:fillRef idx="1">
-            <a:schemeClr val="accent1"/>
-          </a:fillRef>
-          <a:effectRef idx="0">
-            <a:schemeClr val="accent1"/>
-          </a:effectRef>
-          <a:fontRef idx="minor">
-            <a:schemeClr val="lt1"/>
-          </a:fontRef>
-        </p:style>
-        <p:txBody>
-          <a:bodyPr wrap="square" lIns="0" tIns="0" rIns="0" bIns="0" rtlCol="0" anchor="ctr"/>
-          <a:lstStyle/>
-          <a:p>
-            <a:pPr algn="ctr">
-              <a:spcAft>
-                <a:spcPts val="400"/>
-              </a:spcAft>
-            </a:pPr>
-            <a:r>
-              <a:rPr lang="en-US" sz="600" b="1" dirty="0"/>
-              <a:t>Bright</a:t>
-            </a:r>
-            <a:br>
-              <a:rPr lang="en-US" sz="600" b="1" dirty="0"/>
-            </a:br>
-            <a:r>
-              <a:rPr lang="en-US" sz="600" b="1" dirty="0"/>
-              <a:t>Purple</a:t>
-            </a:r>
-          </a:p>
-          <a:p>
-            <a:pPr marL="171450"/>
-            <a:r>
-              <a:rPr lang="en-US" sz="600" dirty="0"/>
-              <a:t>R 109</a:t>
-            </a:r>
-          </a:p>
-          <a:p>
-            <a:pPr marL="171450"/>
-            <a:r>
-              <a:rPr lang="en-US" sz="600" dirty="0"/>
-              <a:t>G 100</a:t>
-            </a:r>
-          </a:p>
-          <a:p>
-            <a:pPr marL="171450"/>
-            <a:r>
-              <a:rPr lang="en-US" sz="600" dirty="0"/>
-              <a:t>B 204</a:t>
-            </a:r>
-          </a:p>
-        </p:txBody>
-      </p:sp>
-      <p:sp>
-        <p:nvSpPr>
-          <p:cNvPr id="18" name="Rectangle 17"/>
-          <p:cNvSpPr/>
-          <p:nvPr userDrawn="1"/>
-        </p:nvSpPr>
-        <p:spPr>
-          <a:xfrm>
-            <a:off x="14282011" y="2468607"/>
-            <a:ext cx="595070" cy="621323"/>
-          </a:xfrm>
-          <a:prstGeom prst="rect">
-            <a:avLst/>
-          </a:prstGeom>
-          <a:solidFill>
-            <a:srgbClr val="FF6327"/>
-          </a:solidFill>
-          <a:ln>
-            <a:noFill/>
-          </a:ln>
-        </p:spPr>
-        <p:style>
-          <a:lnRef idx="2">
-            <a:schemeClr val="accent1">
-              <a:shade val="50000"/>
-            </a:schemeClr>
-          </a:lnRef>
-          <a:fillRef idx="1">
-            <a:schemeClr val="accent1"/>
-          </a:fillRef>
-          <a:effectRef idx="0">
-            <a:schemeClr val="accent1"/>
-          </a:effectRef>
-          <a:fontRef idx="minor">
-            <a:schemeClr val="lt1"/>
-          </a:fontRef>
-        </p:style>
-        <p:txBody>
-          <a:bodyPr wrap="square" lIns="0" tIns="0" rIns="0" bIns="0" rtlCol="0" anchor="ctr"/>
-          <a:lstStyle/>
-          <a:p>
-            <a:pPr algn="ctr">
-              <a:spcAft>
-                <a:spcPts val="400"/>
-              </a:spcAft>
-            </a:pPr>
-            <a:r>
-              <a:rPr lang="en-US" sz="600" b="1" dirty="0"/>
-              <a:t>Orange</a:t>
-            </a:r>
-          </a:p>
-          <a:p>
-            <a:pPr marL="171450"/>
-            <a:r>
-              <a:rPr lang="en-US" sz="600" dirty="0"/>
-              <a:t>R 255</a:t>
-            </a:r>
-          </a:p>
-          <a:p>
-            <a:pPr marL="171450"/>
-            <a:r>
-              <a:rPr lang="en-US" sz="600" dirty="0"/>
-              <a:t>G 99</a:t>
-            </a:r>
-          </a:p>
-          <a:p>
-            <a:pPr marL="171450"/>
-            <a:r>
-              <a:rPr lang="en-US" sz="600" dirty="0"/>
-              <a:t>B 39</a:t>
-            </a:r>
-          </a:p>
-        </p:txBody>
-      </p:sp>
-      <p:sp>
-        <p:nvSpPr>
-          <p:cNvPr id="19" name="Rectangle 18"/>
-          <p:cNvSpPr/>
-          <p:nvPr userDrawn="1"/>
-        </p:nvSpPr>
-        <p:spPr>
-          <a:xfrm>
-            <a:off x="14877081" y="2468607"/>
-            <a:ext cx="595070" cy="621323"/>
-          </a:xfrm>
-          <a:prstGeom prst="rect">
-            <a:avLst/>
-          </a:prstGeom>
-          <a:solidFill>
-            <a:srgbClr val="C8FF16"/>
-          </a:solidFill>
-          <a:ln>
-            <a:noFill/>
-          </a:ln>
-        </p:spPr>
-        <p:style>
-          <a:lnRef idx="2">
-            <a:schemeClr val="accent1">
-              <a:shade val="50000"/>
-            </a:schemeClr>
-          </a:lnRef>
-          <a:fillRef idx="1">
-            <a:schemeClr val="accent1"/>
-          </a:fillRef>
-          <a:effectRef idx="0">
-            <a:schemeClr val="accent1"/>
-          </a:effectRef>
-          <a:fontRef idx="minor">
-            <a:schemeClr val="lt1"/>
-          </a:fontRef>
-        </p:style>
-        <p:txBody>
-          <a:bodyPr wrap="square" lIns="0" tIns="0" rIns="0" bIns="0" rtlCol="0" anchor="ctr"/>
-          <a:lstStyle/>
-          <a:p>
-            <a:pPr algn="ctr">
-              <a:spcAft>
-                <a:spcPts val="400"/>
-              </a:spcAft>
-            </a:pPr>
-            <a:r>
-              <a:rPr lang="en-US" sz="600" b="1" dirty="0"/>
-              <a:t>Bright</a:t>
-            </a:r>
-            <a:br>
-              <a:rPr lang="en-US" sz="600" b="1" dirty="0"/>
-            </a:br>
-            <a:r>
-              <a:rPr lang="en-US" sz="600" b="1" dirty="0"/>
-              <a:t>Green</a:t>
-            </a:r>
-          </a:p>
-          <a:p>
-            <a:pPr marL="171450"/>
-            <a:r>
-              <a:rPr lang="en-US" sz="600" dirty="0"/>
-              <a:t>R 200</a:t>
-            </a:r>
-          </a:p>
-          <a:p>
-            <a:pPr marL="171450"/>
-            <a:r>
-              <a:rPr lang="en-US" sz="600" dirty="0"/>
-              <a:t>G 255</a:t>
-            </a:r>
-          </a:p>
-          <a:p>
-            <a:pPr marL="171450"/>
-            <a:r>
-              <a:rPr lang="en-US" sz="600" dirty="0"/>
-              <a:t>B 22</a:t>
-            </a:r>
-          </a:p>
-        </p:txBody>
-      </p:sp>
-      <p:sp>
-        <p:nvSpPr>
-          <p:cNvPr id="20" name="Rectangle 19"/>
-          <p:cNvSpPr/>
-          <p:nvPr userDrawn="1"/>
-        </p:nvSpPr>
-        <p:spPr>
-          <a:xfrm>
-            <a:off x="13686941" y="3089930"/>
-            <a:ext cx="595070" cy="621323"/>
-          </a:xfrm>
-          <a:prstGeom prst="rect">
-            <a:avLst/>
-          </a:prstGeom>
-          <a:solidFill>
-            <a:srgbClr val="7E39BA"/>
-          </a:solidFill>
-          <a:ln>
-            <a:noFill/>
-          </a:ln>
-        </p:spPr>
-        <p:style>
-          <a:lnRef idx="2">
-            <a:schemeClr val="accent1">
-              <a:shade val="50000"/>
-            </a:schemeClr>
-          </a:lnRef>
-          <a:fillRef idx="1">
-            <a:schemeClr val="accent1"/>
-          </a:fillRef>
-          <a:effectRef idx="0">
-            <a:schemeClr val="accent1"/>
-          </a:effectRef>
-          <a:fontRef idx="minor">
-            <a:schemeClr val="lt1"/>
-          </a:fontRef>
-        </p:style>
-        <p:txBody>
-          <a:bodyPr wrap="square" lIns="0" tIns="0" rIns="0" bIns="0" rtlCol="0" anchor="ctr"/>
-          <a:lstStyle/>
-          <a:p>
-            <a:pPr algn="ctr">
-              <a:spcAft>
-                <a:spcPts val="400"/>
-              </a:spcAft>
-            </a:pPr>
-            <a:r>
-              <a:rPr lang="en-US" sz="600" b="1" dirty="0"/>
-              <a:t>Purple</a:t>
-            </a:r>
-          </a:p>
-          <a:p>
-            <a:pPr marL="171450"/>
-            <a:r>
-              <a:rPr lang="en-US" sz="600" dirty="0"/>
-              <a:t>R 126</a:t>
-            </a:r>
-          </a:p>
-          <a:p>
-            <a:pPr marL="171450"/>
-            <a:r>
-              <a:rPr lang="en-US" sz="600" dirty="0"/>
-              <a:t>G 57</a:t>
-            </a:r>
-          </a:p>
-          <a:p>
-            <a:pPr marL="171450"/>
-            <a:r>
-              <a:rPr lang="en-US" sz="600" dirty="0"/>
-              <a:t>B 186</a:t>
-            </a:r>
-          </a:p>
-        </p:txBody>
-      </p:sp>
-      <p:sp>
-        <p:nvSpPr>
-          <p:cNvPr id="21" name="Rectangle 20"/>
-          <p:cNvSpPr/>
-          <p:nvPr userDrawn="1"/>
-        </p:nvSpPr>
-        <p:spPr>
-          <a:xfrm>
-            <a:off x="14877081" y="3089930"/>
-            <a:ext cx="595070" cy="621323"/>
-          </a:xfrm>
-          <a:prstGeom prst="rect">
-            <a:avLst/>
-          </a:prstGeom>
-          <a:solidFill>
-            <a:srgbClr val="00C37B"/>
-          </a:solidFill>
-          <a:ln>
-            <a:noFill/>
-          </a:ln>
-        </p:spPr>
-        <p:style>
-          <a:lnRef idx="2">
-            <a:schemeClr val="accent1">
-              <a:shade val="50000"/>
-            </a:schemeClr>
-          </a:lnRef>
-          <a:fillRef idx="1">
-            <a:schemeClr val="accent1"/>
-          </a:fillRef>
-          <a:effectRef idx="0">
-            <a:schemeClr val="accent1"/>
-          </a:effectRef>
-          <a:fontRef idx="minor">
-            <a:schemeClr val="lt1"/>
-          </a:fontRef>
-        </p:style>
-        <p:txBody>
-          <a:bodyPr wrap="square" lIns="0" tIns="0" rIns="0" bIns="0" rtlCol="0" anchor="ctr"/>
-          <a:lstStyle/>
-          <a:p>
-            <a:pPr algn="ctr">
-              <a:spcAft>
-                <a:spcPts val="400"/>
-              </a:spcAft>
-            </a:pPr>
-            <a:r>
-              <a:rPr lang="en-US" sz="600" b="1" dirty="0"/>
-              <a:t>Green</a:t>
-            </a:r>
-          </a:p>
-          <a:p>
-            <a:pPr marL="171450"/>
-            <a:r>
-              <a:rPr lang="en-US" sz="600" dirty="0"/>
-              <a:t>R 0</a:t>
-            </a:r>
-          </a:p>
-          <a:p>
-            <a:pPr marL="171450"/>
-            <a:r>
-              <a:rPr lang="en-US" sz="600" dirty="0"/>
-              <a:t>G 195</a:t>
-            </a:r>
-          </a:p>
-          <a:p>
-            <a:pPr marL="171450"/>
-            <a:r>
-              <a:rPr lang="en-US" sz="600" dirty="0"/>
-              <a:t>B 123</a:t>
-            </a:r>
-          </a:p>
-        </p:txBody>
-      </p:sp>
-      <p:sp>
-        <p:nvSpPr>
-          <p:cNvPr id="22" name="Rectangle 21"/>
-          <p:cNvSpPr/>
-          <p:nvPr userDrawn="1"/>
-        </p:nvSpPr>
-        <p:spPr>
-          <a:xfrm>
-            <a:off x="14877081" y="4948917"/>
-            <a:ext cx="595070" cy="621323"/>
-          </a:xfrm>
-          <a:prstGeom prst="rect">
-            <a:avLst/>
-          </a:prstGeom>
-          <a:solidFill>
-            <a:srgbClr val="15636B"/>
-          </a:solidFill>
-          <a:ln>
-            <a:noFill/>
-          </a:ln>
-        </p:spPr>
-        <p:style>
-          <a:lnRef idx="2">
-            <a:schemeClr val="accent1">
-              <a:shade val="50000"/>
-            </a:schemeClr>
-          </a:lnRef>
-          <a:fillRef idx="1">
-            <a:schemeClr val="accent1"/>
-          </a:fillRef>
-          <a:effectRef idx="0">
-            <a:schemeClr val="accent1"/>
-          </a:effectRef>
-          <a:fontRef idx="minor">
-            <a:schemeClr val="lt1"/>
-          </a:fontRef>
-        </p:style>
-        <p:txBody>
-          <a:bodyPr wrap="square" lIns="0" tIns="0" rIns="0" bIns="0" rtlCol="0" anchor="ctr"/>
-          <a:lstStyle/>
-          <a:p>
-            <a:pPr algn="ctr">
-              <a:spcAft>
-                <a:spcPts val="400"/>
-              </a:spcAft>
-            </a:pPr>
-            <a:r>
-              <a:rPr lang="en-US" sz="600" b="1" dirty="0"/>
-              <a:t>Dark</a:t>
-            </a:r>
-            <a:br>
-              <a:rPr lang="en-US" sz="600" b="1" dirty="0"/>
-            </a:br>
-            <a:r>
-              <a:rPr lang="en-US" sz="600" b="1" dirty="0"/>
-              <a:t>Green</a:t>
-            </a:r>
-          </a:p>
-          <a:p>
-            <a:pPr marL="171450"/>
-            <a:r>
-              <a:rPr lang="en-US" sz="600" dirty="0"/>
-              <a:t>R 21</a:t>
-            </a:r>
-          </a:p>
-          <a:p>
-            <a:pPr marL="171450"/>
-            <a:r>
-              <a:rPr lang="en-US" sz="600" dirty="0"/>
-              <a:t>G 99</a:t>
-            </a:r>
-          </a:p>
-          <a:p>
-            <a:pPr marL="171450"/>
-            <a:r>
-              <a:rPr lang="en-US" sz="600" dirty="0"/>
-              <a:t>B 107</a:t>
-            </a:r>
-          </a:p>
-        </p:txBody>
-      </p:sp>
-      <p:sp>
-        <p:nvSpPr>
-          <p:cNvPr id="23" name="Rectangle 22"/>
-          <p:cNvSpPr/>
-          <p:nvPr userDrawn="1"/>
-        </p:nvSpPr>
-        <p:spPr>
-          <a:xfrm>
-            <a:off x="14877081" y="4330085"/>
-            <a:ext cx="595070" cy="621323"/>
-          </a:xfrm>
-          <a:prstGeom prst="rect">
-            <a:avLst/>
-          </a:prstGeom>
-          <a:solidFill>
-            <a:srgbClr val="0F999C"/>
-          </a:solidFill>
-          <a:ln>
-            <a:noFill/>
-          </a:ln>
-        </p:spPr>
-        <p:style>
-          <a:lnRef idx="2">
-            <a:schemeClr val="accent1">
-              <a:shade val="50000"/>
-            </a:schemeClr>
-          </a:lnRef>
-          <a:fillRef idx="1">
-            <a:schemeClr val="accent1"/>
-          </a:fillRef>
-          <a:effectRef idx="0">
-            <a:schemeClr val="accent1"/>
-          </a:effectRef>
-          <a:fontRef idx="minor">
-            <a:schemeClr val="lt1"/>
-          </a:fontRef>
-        </p:style>
-        <p:txBody>
-          <a:bodyPr wrap="square" lIns="0" tIns="0" rIns="0" bIns="0" rtlCol="0" anchor="ctr"/>
-          <a:lstStyle/>
-          <a:p>
-            <a:pPr algn="ctr">
-              <a:spcAft>
-                <a:spcPts val="400"/>
-              </a:spcAft>
-            </a:pPr>
-            <a:r>
-              <a:rPr lang="en-US" sz="600" b="1" dirty="0"/>
-              <a:t>Aqua</a:t>
-            </a:r>
-          </a:p>
-          <a:p>
-            <a:pPr marL="171450"/>
-            <a:r>
-              <a:rPr lang="en-US" sz="600" dirty="0"/>
-              <a:t>R 15</a:t>
-            </a:r>
-          </a:p>
-          <a:p>
-            <a:pPr marL="171450"/>
-            <a:r>
-              <a:rPr lang="en-US" sz="600" dirty="0"/>
-              <a:t>G 153</a:t>
-            </a:r>
-          </a:p>
-          <a:p>
-            <a:pPr marL="171450"/>
-            <a:r>
-              <a:rPr lang="en-US" sz="600" dirty="0"/>
-              <a:t>B 156</a:t>
-            </a:r>
-          </a:p>
-        </p:txBody>
-      </p:sp>
-      <p:sp>
-        <p:nvSpPr>
-          <p:cNvPr id="24" name="Rectangle 23"/>
-          <p:cNvSpPr/>
-          <p:nvPr userDrawn="1"/>
-        </p:nvSpPr>
-        <p:spPr>
-          <a:xfrm>
-            <a:off x="14877081" y="3711253"/>
-            <a:ext cx="595070" cy="621323"/>
-          </a:xfrm>
-          <a:prstGeom prst="rect">
-            <a:avLst/>
-          </a:prstGeom>
-          <a:solidFill>
-            <a:srgbClr val="01D1D0"/>
-          </a:solidFill>
-          <a:ln>
-            <a:noFill/>
-          </a:ln>
-        </p:spPr>
-        <p:style>
-          <a:lnRef idx="2">
-            <a:schemeClr val="accent1">
-              <a:shade val="50000"/>
-            </a:schemeClr>
-          </a:lnRef>
-          <a:fillRef idx="1">
-            <a:schemeClr val="accent1"/>
-          </a:fillRef>
-          <a:effectRef idx="0">
-            <a:schemeClr val="accent1"/>
-          </a:effectRef>
-          <a:fontRef idx="minor">
-            <a:schemeClr val="lt1"/>
-          </a:fontRef>
-        </p:style>
-        <p:txBody>
-          <a:bodyPr wrap="square" lIns="0" tIns="0" rIns="0" bIns="0" rtlCol="0" anchor="ctr"/>
-          <a:lstStyle/>
-          <a:p>
-            <a:pPr algn="ctr">
-              <a:spcAft>
-                <a:spcPts val="400"/>
-              </a:spcAft>
-            </a:pPr>
-            <a:r>
-              <a:rPr lang="en-US" sz="600" b="1" dirty="0"/>
-              <a:t>Bright</a:t>
-            </a:r>
-            <a:br>
-              <a:rPr lang="en-US" sz="600" b="1" dirty="0"/>
-            </a:br>
-            <a:r>
-              <a:rPr lang="en-US" sz="600" b="1" dirty="0"/>
-              <a:t>Aqua</a:t>
-            </a:r>
-          </a:p>
-          <a:p>
-            <a:pPr marL="171450"/>
-            <a:r>
-              <a:rPr lang="en-US" sz="600" dirty="0"/>
-              <a:t>R 1</a:t>
-            </a:r>
-          </a:p>
-          <a:p>
-            <a:pPr marL="171450"/>
-            <a:r>
-              <a:rPr lang="en-US" sz="600" dirty="0"/>
-              <a:t>G 209</a:t>
-            </a:r>
-          </a:p>
-          <a:p>
-            <a:pPr marL="171450"/>
-            <a:r>
-              <a:rPr lang="en-US" sz="600" dirty="0"/>
-              <a:t>B 208</a:t>
-            </a:r>
-          </a:p>
-        </p:txBody>
-      </p:sp>
-      <p:sp>
-        <p:nvSpPr>
-          <p:cNvPr id="25" name="Rectangle 24"/>
-          <p:cNvSpPr/>
-          <p:nvPr userDrawn="1"/>
-        </p:nvSpPr>
-        <p:spPr>
-          <a:xfrm>
-            <a:off x="14282011" y="3089930"/>
-            <a:ext cx="595070" cy="621323"/>
-          </a:xfrm>
-          <a:prstGeom prst="rect">
-            <a:avLst/>
-          </a:prstGeom>
-          <a:solidFill>
-            <a:srgbClr val="FF0CAD"/>
-          </a:solidFill>
-          <a:ln>
-            <a:noFill/>
-          </a:ln>
-        </p:spPr>
-        <p:style>
-          <a:lnRef idx="2">
-            <a:schemeClr val="accent1">
-              <a:shade val="50000"/>
-            </a:schemeClr>
-          </a:lnRef>
-          <a:fillRef idx="1">
-            <a:schemeClr val="accent1"/>
-          </a:fillRef>
-          <a:effectRef idx="0">
-            <a:schemeClr val="accent1"/>
-          </a:effectRef>
-          <a:fontRef idx="minor">
-            <a:schemeClr val="lt1"/>
-          </a:fontRef>
-        </p:style>
-        <p:txBody>
-          <a:bodyPr wrap="square" lIns="0" tIns="0" rIns="0" bIns="0" rtlCol="0" anchor="ctr"/>
-          <a:lstStyle/>
-          <a:p>
-            <a:pPr algn="ctr">
-              <a:spcAft>
-                <a:spcPts val="400"/>
-              </a:spcAft>
-            </a:pPr>
-            <a:r>
-              <a:rPr lang="en-US" sz="600" b="1" dirty="0"/>
-              <a:t>Peach</a:t>
-            </a:r>
-          </a:p>
-          <a:p>
-            <a:pPr marL="171450"/>
-            <a:r>
-              <a:rPr lang="en-US" sz="600" dirty="0"/>
-              <a:t>R 255</a:t>
-            </a:r>
-          </a:p>
-          <a:p>
-            <a:pPr marL="171450"/>
-            <a:r>
-              <a:rPr lang="en-US" sz="600" dirty="0"/>
-              <a:t>G 126</a:t>
-            </a:r>
-          </a:p>
-          <a:p>
-            <a:pPr marL="171450"/>
-            <a:r>
-              <a:rPr lang="en-US" sz="600" dirty="0"/>
-              <a:t>B 131</a:t>
-            </a:r>
-          </a:p>
-        </p:txBody>
-      </p:sp>
-      <p:sp>
-        <p:nvSpPr>
-          <p:cNvPr id="26" name="Rectangle 25"/>
-          <p:cNvSpPr/>
-          <p:nvPr userDrawn="1"/>
-        </p:nvSpPr>
-        <p:spPr>
-          <a:xfrm>
-            <a:off x="14282011" y="3711253"/>
-            <a:ext cx="595070" cy="621323"/>
-          </a:xfrm>
-          <a:prstGeom prst="rect">
-            <a:avLst/>
-          </a:prstGeom>
-          <a:solidFill>
-            <a:srgbClr val="CB2980"/>
-          </a:solidFill>
-          <a:ln>
-            <a:noFill/>
-          </a:ln>
-        </p:spPr>
-        <p:style>
-          <a:lnRef idx="2">
-            <a:schemeClr val="accent1">
-              <a:shade val="50000"/>
-            </a:schemeClr>
-          </a:lnRef>
-          <a:fillRef idx="1">
-            <a:schemeClr val="accent1"/>
-          </a:fillRef>
-          <a:effectRef idx="0">
-            <a:schemeClr val="accent1"/>
-          </a:effectRef>
-          <a:fontRef idx="minor">
-            <a:schemeClr val="lt1"/>
-          </a:fontRef>
-        </p:style>
-        <p:txBody>
-          <a:bodyPr wrap="square" lIns="0" tIns="0" rIns="0" bIns="0" rtlCol="0" anchor="ctr"/>
-          <a:lstStyle/>
-          <a:p>
-            <a:pPr algn="ctr">
-              <a:spcAft>
-                <a:spcPts val="400"/>
-              </a:spcAft>
-            </a:pPr>
-            <a:r>
-              <a:rPr lang="en-US" sz="600" b="1" dirty="0"/>
-              <a:t>Light</a:t>
-            </a:r>
-            <a:br>
-              <a:rPr lang="en-US" sz="600" b="1" dirty="0"/>
-            </a:br>
-            <a:r>
-              <a:rPr lang="en-US" sz="600" b="1" dirty="0"/>
-              <a:t>Claret</a:t>
-            </a:r>
-          </a:p>
-          <a:p>
-            <a:pPr marL="171450"/>
-            <a:r>
-              <a:rPr lang="en-US" sz="600" dirty="0"/>
-              <a:t>R 203</a:t>
-            </a:r>
-          </a:p>
-          <a:p>
-            <a:pPr marL="171450"/>
-            <a:r>
-              <a:rPr lang="en-US" sz="600" dirty="0"/>
-              <a:t>G 41</a:t>
-            </a:r>
-          </a:p>
-          <a:p>
-            <a:pPr marL="171450"/>
-            <a:r>
-              <a:rPr lang="en-US" sz="600" dirty="0"/>
-              <a:t>B 128</a:t>
-            </a:r>
-          </a:p>
-        </p:txBody>
-      </p:sp>
-      <p:sp>
-        <p:nvSpPr>
-          <p:cNvPr id="27" name="Rectangle 26"/>
-          <p:cNvSpPr/>
-          <p:nvPr userDrawn="1"/>
-        </p:nvSpPr>
-        <p:spPr>
-          <a:xfrm>
-            <a:off x="14282011" y="4330085"/>
-            <a:ext cx="595070" cy="621323"/>
-          </a:xfrm>
-          <a:prstGeom prst="rect">
-            <a:avLst/>
-          </a:prstGeom>
-          <a:solidFill>
-            <a:srgbClr val="860864"/>
-          </a:solidFill>
-          <a:ln>
-            <a:noFill/>
-          </a:ln>
-        </p:spPr>
-        <p:style>
-          <a:lnRef idx="2">
-            <a:schemeClr val="accent1">
-              <a:shade val="50000"/>
-            </a:schemeClr>
-          </a:lnRef>
-          <a:fillRef idx="1">
-            <a:schemeClr val="accent1"/>
-          </a:fillRef>
-          <a:effectRef idx="0">
-            <a:schemeClr val="accent1"/>
-          </a:effectRef>
-          <a:fontRef idx="minor">
-            <a:schemeClr val="lt1"/>
-          </a:fontRef>
-        </p:style>
-        <p:txBody>
-          <a:bodyPr wrap="square" lIns="0" tIns="0" rIns="0" bIns="0" rtlCol="0" anchor="ctr"/>
-          <a:lstStyle/>
-          <a:p>
-            <a:pPr algn="ctr">
-              <a:spcAft>
-                <a:spcPts val="400"/>
-              </a:spcAft>
-            </a:pPr>
-            <a:r>
-              <a:rPr lang="en-US" sz="600" b="1" dirty="0"/>
-              <a:t>Claret</a:t>
-            </a:r>
-          </a:p>
-          <a:p>
-            <a:pPr marL="171450"/>
-            <a:r>
-              <a:rPr lang="en-US" sz="600" dirty="0"/>
-              <a:t>R 134</a:t>
-            </a:r>
-          </a:p>
-          <a:p>
-            <a:pPr marL="171450"/>
-            <a:r>
-              <a:rPr lang="en-US" sz="600" dirty="0"/>
-              <a:t>G 8</a:t>
-            </a:r>
-          </a:p>
-          <a:p>
-            <a:pPr marL="171450"/>
-            <a:r>
-              <a:rPr lang="en-US" sz="600" dirty="0"/>
-              <a:t>B 100</a:t>
-            </a:r>
-          </a:p>
-        </p:txBody>
-      </p:sp>
-      <p:sp>
-        <p:nvSpPr>
-          <p:cNvPr id="28" name="Rectangle 27"/>
-          <p:cNvSpPr/>
-          <p:nvPr userDrawn="1"/>
-        </p:nvSpPr>
-        <p:spPr>
-          <a:xfrm>
-            <a:off x="12496801" y="1405970"/>
-            <a:ext cx="570669" cy="153888"/>
-          </a:xfrm>
-          <a:prstGeom prst="rect">
-            <a:avLst/>
-          </a:prstGeom>
-          <a:noFill/>
-          <a:ln>
-            <a:noFill/>
-          </a:ln>
-        </p:spPr>
-        <p:style>
-          <a:lnRef idx="2">
-            <a:schemeClr val="accent1">
-              <a:shade val="50000"/>
-            </a:schemeClr>
-          </a:lnRef>
-          <a:fillRef idx="1">
-            <a:schemeClr val="accent1"/>
-          </a:fillRef>
-          <a:effectRef idx="0">
-            <a:schemeClr val="accent1"/>
-          </a:effectRef>
-          <a:fontRef idx="minor">
-            <a:schemeClr val="lt1"/>
-          </a:fontRef>
-        </p:style>
-        <p:txBody>
-          <a:bodyPr wrap="none" lIns="0" tIns="0" rIns="0" bIns="0" rtlCol="0" anchor="ctr">
-            <a:spAutoFit/>
-          </a:bodyPr>
-          <a:lstStyle/>
-          <a:p>
-            <a:r>
-              <a:rPr lang="en-US" sz="1000" b="1" dirty="0">
-                <a:solidFill>
-                  <a:schemeClr val="tx2"/>
-                </a:solidFill>
-              </a:rPr>
-              <a:t>Primary</a:t>
-            </a:r>
-          </a:p>
-        </p:txBody>
-      </p:sp>
-      <p:sp>
-        <p:nvSpPr>
-          <p:cNvPr id="29" name="Rectangle 28"/>
-          <p:cNvSpPr/>
-          <p:nvPr userDrawn="1"/>
-        </p:nvSpPr>
-        <p:spPr>
-          <a:xfrm>
-            <a:off x="12496801" y="2285400"/>
-            <a:ext cx="843180" cy="153888"/>
-          </a:xfrm>
-          <a:prstGeom prst="rect">
-            <a:avLst/>
-          </a:prstGeom>
-          <a:noFill/>
-          <a:ln>
-            <a:noFill/>
-          </a:ln>
-        </p:spPr>
-        <p:style>
-          <a:lnRef idx="2">
-            <a:schemeClr val="accent1">
-              <a:shade val="50000"/>
-            </a:schemeClr>
-          </a:lnRef>
-          <a:fillRef idx="1">
-            <a:schemeClr val="accent1"/>
-          </a:fillRef>
-          <a:effectRef idx="0">
-            <a:schemeClr val="accent1"/>
-          </a:effectRef>
-          <a:fontRef idx="minor">
-            <a:schemeClr val="lt1"/>
-          </a:fontRef>
-        </p:style>
-        <p:txBody>
-          <a:bodyPr wrap="none" lIns="0" tIns="0" rIns="0" bIns="0" rtlCol="0" anchor="ctr">
-            <a:spAutoFit/>
-          </a:bodyPr>
-          <a:lstStyle/>
-          <a:p>
-            <a:r>
-              <a:rPr lang="en-US" sz="1000" b="1" dirty="0">
-                <a:solidFill>
-                  <a:schemeClr val="tx2"/>
-                </a:solidFill>
-              </a:rPr>
-              <a:t>Infographic</a:t>
-            </a:r>
-          </a:p>
-        </p:txBody>
-      </p:sp>
-      <p:sp>
-        <p:nvSpPr>
-          <p:cNvPr id="30" name="Rectangle 29"/>
-          <p:cNvSpPr/>
-          <p:nvPr userDrawn="1"/>
-        </p:nvSpPr>
-        <p:spPr>
-          <a:xfrm>
-            <a:off x="13686941" y="1405970"/>
-            <a:ext cx="753411" cy="153888"/>
-          </a:xfrm>
-          <a:prstGeom prst="rect">
-            <a:avLst/>
-          </a:prstGeom>
-          <a:noFill/>
-          <a:ln>
-            <a:noFill/>
-          </a:ln>
-        </p:spPr>
-        <p:style>
-          <a:lnRef idx="2">
-            <a:schemeClr val="accent1">
-              <a:shade val="50000"/>
-            </a:schemeClr>
-          </a:lnRef>
-          <a:fillRef idx="1">
-            <a:schemeClr val="accent1"/>
-          </a:fillRef>
-          <a:effectRef idx="0">
-            <a:schemeClr val="accent1"/>
-          </a:effectRef>
-          <a:fontRef idx="minor">
-            <a:schemeClr val="lt1"/>
-          </a:fontRef>
-        </p:style>
-        <p:txBody>
-          <a:bodyPr wrap="none" lIns="0" tIns="0" rIns="0" bIns="0" rtlCol="0" anchor="ctr">
-            <a:spAutoFit/>
-          </a:bodyPr>
-          <a:lstStyle/>
-          <a:p>
-            <a:r>
-              <a:rPr lang="en-US" sz="1000" b="1" dirty="0">
-                <a:solidFill>
-                  <a:schemeClr val="tx2"/>
-                </a:solidFill>
-              </a:rPr>
-              <a:t>Secondary</a:t>
-            </a:r>
-          </a:p>
-        </p:txBody>
-      </p:sp>
-      <p:sp>
-        <p:nvSpPr>
-          <p:cNvPr id="31" name="Rectangle 30"/>
-          <p:cNvSpPr/>
-          <p:nvPr userDrawn="1"/>
-        </p:nvSpPr>
-        <p:spPr>
-          <a:xfrm>
-            <a:off x="13686941" y="3711253"/>
-            <a:ext cx="595070" cy="621323"/>
-          </a:xfrm>
-          <a:prstGeom prst="rect">
-            <a:avLst/>
-          </a:prstGeom>
-          <a:solidFill>
-            <a:srgbClr val="4701A7"/>
-          </a:solidFill>
-          <a:ln>
-            <a:noFill/>
-          </a:ln>
-        </p:spPr>
-        <p:style>
-          <a:lnRef idx="2">
-            <a:schemeClr val="accent1">
-              <a:shade val="50000"/>
-            </a:schemeClr>
-          </a:lnRef>
-          <a:fillRef idx="1">
-            <a:schemeClr val="accent1"/>
-          </a:fillRef>
-          <a:effectRef idx="0">
-            <a:schemeClr val="accent1"/>
-          </a:effectRef>
-          <a:fontRef idx="minor">
-            <a:schemeClr val="lt1"/>
-          </a:fontRef>
-        </p:style>
-        <p:txBody>
-          <a:bodyPr wrap="square" lIns="0" tIns="0" rIns="0" bIns="0" rtlCol="0" anchor="ctr"/>
-          <a:lstStyle/>
-          <a:p>
-            <a:pPr algn="ctr">
-              <a:spcAft>
-                <a:spcPts val="400"/>
-              </a:spcAft>
-            </a:pPr>
-            <a:r>
-              <a:rPr lang="en-US" sz="600" b="1" dirty="0"/>
-              <a:t>Dark</a:t>
-            </a:r>
-            <a:br>
-              <a:rPr lang="en-US" sz="600" b="1" dirty="0"/>
-            </a:br>
-            <a:r>
-              <a:rPr lang="en-US" sz="600" b="1" dirty="0"/>
-              <a:t>Purple</a:t>
-            </a:r>
-          </a:p>
-          <a:p>
-            <a:pPr marL="171450"/>
-            <a:r>
-              <a:rPr lang="en-US" sz="600" dirty="0"/>
-              <a:t>R 71</a:t>
-            </a:r>
-          </a:p>
-          <a:p>
-            <a:pPr marL="171450"/>
-            <a:r>
-              <a:rPr lang="en-US" sz="600" dirty="0"/>
-              <a:t>G 1</a:t>
-            </a:r>
-          </a:p>
-          <a:p>
-            <a:pPr marL="171450"/>
-            <a:r>
-              <a:rPr lang="en-US" sz="600" dirty="0"/>
-              <a:t>B 167</a:t>
-            </a:r>
-          </a:p>
-        </p:txBody>
-      </p:sp>
-    </p:spTree>
-    <p:extLst>
-      <p:ext uri="{BB962C8B-B14F-4D97-AF65-F5344CB8AC3E}">
-        <p14:creationId xmlns="" xmlns:p14="http://schemas.microsoft.com/office/powerpoint/2010/main" val="321207809"/>
-      </p:ext>
-    </p:extLst>
-  </p:cSld>
-  <p:clrMap bg1="lt1" tx1="dk1" bg2="lt2" tx2="dk2" accent1="accent1" accent2="accent2" accent3="accent3" accent4="accent4" accent5="accent5" accent6="accent6" hlink="hlink" folHlink="folHlink"/>
-  <p:sldLayoutIdLst>
-    <p:sldLayoutId id="2147483796" r:id="rId1"/>
-  </p:sldLayoutIdLst>
-  <p:txStyles>
-    <p:titleStyle>
-      <a:lvl1pPr algn="l" defTabSz="914400" rtl="0" eaLnBrk="1" latinLnBrk="0" hangingPunct="1">
-        <a:lnSpc>
-          <a:spcPct val="90000"/>
-        </a:lnSpc>
-        <a:spcBef>
-          <a:spcPct val="0"/>
-        </a:spcBef>
-        <a:buNone/>
-        <a:defRPr sz="2600" kern="1200">
-          <a:solidFill>
-            <a:schemeClr val="tx2"/>
-          </a:solidFill>
-          <a:latin typeface="+mj-lt"/>
-          <a:ea typeface="+mj-ea"/>
-          <a:cs typeface="+mj-cs"/>
-        </a:defRPr>
-      </a:lvl1pPr>
-    </p:titleStyle>
-    <p:bodyStyle>
-      <a:lvl1pPr marL="0" indent="0" algn="l" defTabSz="914400" rtl="0" eaLnBrk="1" latinLnBrk="0" hangingPunct="1">
-        <a:lnSpc>
-          <a:spcPts val="2200"/>
-        </a:lnSpc>
-        <a:spcBef>
-          <a:spcPts val="0"/>
-        </a:spcBef>
-        <a:spcAft>
-          <a:spcPts val="600"/>
-        </a:spcAft>
-        <a:buFont typeface="Arial" panose="020B0604020202020204" pitchFamily="34" charset="0"/>
-        <a:buNone/>
-        <a:defRPr sz="1800" kern="1200">
-          <a:solidFill>
-            <a:schemeClr val="tx1"/>
-          </a:solidFill>
-          <a:latin typeface="+mn-lt"/>
-          <a:ea typeface="+mn-ea"/>
-          <a:cs typeface="+mn-cs"/>
-        </a:defRPr>
-      </a:lvl1pPr>
-      <a:lvl2pPr marL="231775" indent="-228600" algn="l" defTabSz="914400" rtl="0" eaLnBrk="1" latinLnBrk="0" hangingPunct="1">
-        <a:lnSpc>
-          <a:spcPts val="1800"/>
-        </a:lnSpc>
-        <a:spcBef>
-          <a:spcPts val="0"/>
-        </a:spcBef>
-        <a:spcAft>
-          <a:spcPts val="600"/>
-        </a:spcAft>
-        <a:buClr>
-          <a:schemeClr val="accent1"/>
-        </a:buClr>
-        <a:buFont typeface="Wingdings" panose="05000000000000000000" pitchFamily="2" charset="2"/>
-        <a:buChar char="§"/>
-        <a:defRPr sz="1600" kern="1200">
-          <a:solidFill>
-            <a:schemeClr val="tx1"/>
-          </a:solidFill>
-          <a:latin typeface="+mn-lt"/>
-          <a:ea typeface="+mn-ea"/>
-          <a:cs typeface="+mn-cs"/>
-        </a:defRPr>
-      </a:lvl2pPr>
-      <a:lvl3pPr marL="463550" indent="-231775" algn="l" defTabSz="914400" rtl="0" eaLnBrk="1" latinLnBrk="0" hangingPunct="1">
-        <a:lnSpc>
-          <a:spcPts val="1600"/>
-        </a:lnSpc>
-        <a:spcBef>
-          <a:spcPts val="0"/>
-        </a:spcBef>
-        <a:spcAft>
-          <a:spcPts val="600"/>
-        </a:spcAft>
-        <a:buClr>
-          <a:schemeClr val="accent1"/>
-        </a:buClr>
-        <a:buFont typeface="Arial" panose="020B0604020202020204" pitchFamily="34" charset="0"/>
-        <a:buChar char="•"/>
-        <a:defRPr sz="1400" kern="1200">
-          <a:solidFill>
-            <a:schemeClr val="tx1"/>
-          </a:solidFill>
-          <a:latin typeface="+mn-lt"/>
-          <a:ea typeface="+mn-ea"/>
-          <a:cs typeface="+mn-cs"/>
-        </a:defRPr>
-      </a:lvl3pPr>
-      <a:lvl4pPr marL="682625" indent="-219075" algn="l" defTabSz="914400" rtl="0" eaLnBrk="1" latinLnBrk="0" hangingPunct="1">
-        <a:lnSpc>
-          <a:spcPts val="1400"/>
-        </a:lnSpc>
-        <a:spcBef>
-          <a:spcPts val="0"/>
-        </a:spcBef>
-        <a:spcAft>
-          <a:spcPts val="600"/>
-        </a:spcAft>
-        <a:buClr>
-          <a:schemeClr val="accent1"/>
-        </a:buClr>
-        <a:buFont typeface="Arial" panose="020B0604020202020204" pitchFamily="34" charset="0"/>
-        <a:buChar char="‒"/>
-        <a:defRPr sz="1200" kern="1200">
-          <a:solidFill>
-            <a:schemeClr val="tx1"/>
-          </a:solidFill>
-          <a:latin typeface="+mn-lt"/>
-          <a:ea typeface="+mn-ea"/>
-          <a:cs typeface="+mn-cs"/>
-        </a:defRPr>
-      </a:lvl4pPr>
-      <a:lvl5pPr marL="2057400" indent="-228600" algn="l" defTabSz="914400" rtl="0" eaLnBrk="1" latinLnBrk="0" hangingPunct="1">
-        <a:lnSpc>
-          <a:spcPct val="90000"/>
-        </a:lnSpc>
-        <a:spcBef>
-          <a:spcPts val="500"/>
-        </a:spcBef>
-        <a:buFont typeface="Arial" panose="020B0604020202020204" pitchFamily="34" charset="0"/>
-        <a:buChar char="•"/>
-        <a:defRPr sz="1800" kern="1200">
-          <a:solidFill>
-            <a:schemeClr val="tx1"/>
-          </a:solidFill>
-          <a:latin typeface="+mn-lt"/>
-          <a:ea typeface="+mn-ea"/>
-          <a:cs typeface="+mn-cs"/>
-        </a:defRPr>
-      </a:lvl5pPr>
-      <a:lvl6pPr marL="2514600" indent="-228600" algn="l" defTabSz="914400" rtl="0" eaLnBrk="1" latinLnBrk="0" hangingPunct="1">
-        <a:lnSpc>
-          <a:spcPct val="90000"/>
-        </a:lnSpc>
-        <a:spcBef>
-          <a:spcPts val="500"/>
-        </a:spcBef>
-        <a:buFont typeface="Arial" panose="020B0604020202020204" pitchFamily="34" charset="0"/>
-        <a:buChar char="•"/>
-        <a:defRPr sz="1800" kern="1200">
-          <a:solidFill>
-            <a:schemeClr val="tx1"/>
-          </a:solidFill>
-          <a:latin typeface="+mn-lt"/>
-          <a:ea typeface="+mn-ea"/>
-          <a:cs typeface="+mn-cs"/>
-        </a:defRPr>
-      </a:lvl6pPr>
-      <a:lvl7pPr marL="2971800" indent="-228600" algn="l" defTabSz="914400" rtl="0" eaLnBrk="1" latinLnBrk="0" hangingPunct="1">
-        <a:lnSpc>
-          <a:spcPct val="90000"/>
-        </a:lnSpc>
-        <a:spcBef>
-          <a:spcPts val="500"/>
-        </a:spcBef>
-        <a:buFont typeface="Arial" panose="020B0604020202020204" pitchFamily="34" charset="0"/>
-        <a:buChar char="•"/>
-        <a:defRPr sz="1800" kern="1200">
-          <a:solidFill>
-            <a:schemeClr val="tx1"/>
-          </a:solidFill>
-          <a:latin typeface="+mn-lt"/>
-          <a:ea typeface="+mn-ea"/>
-          <a:cs typeface="+mn-cs"/>
-        </a:defRPr>
-      </a:lvl7pPr>
-      <a:lvl8pPr marL="3429000" indent="-228600" algn="l" defTabSz="914400" rtl="0" eaLnBrk="1" latinLnBrk="0" hangingPunct="1">
-        <a:lnSpc>
-          <a:spcPct val="90000"/>
-        </a:lnSpc>
-        <a:spcBef>
-          <a:spcPts val="500"/>
-        </a:spcBef>
-        <a:buFont typeface="Arial" panose="020B0604020202020204" pitchFamily="34" charset="0"/>
-        <a:buChar char="•"/>
-        <a:defRPr sz="1800" kern="1200">
-          <a:solidFill>
-            <a:schemeClr val="tx1"/>
-          </a:solidFill>
-          <a:latin typeface="+mn-lt"/>
-          <a:ea typeface="+mn-ea"/>
-          <a:cs typeface="+mn-cs"/>
-        </a:defRPr>
-      </a:lvl8pPr>
-      <a:lvl9pPr marL="3886200" indent="-228600" algn="l" defTabSz="914400" rtl="0" eaLnBrk="1" latinLnBrk="0" hangingPunct="1">
-        <a:lnSpc>
-          <a:spcPct val="90000"/>
-        </a:lnSpc>
-        <a:spcBef>
-          <a:spcPts val="500"/>
-        </a:spcBef>
-        <a:buFont typeface="Arial" panose="020B0604020202020204" pitchFamily="34" charset="0"/>
-        <a:buChar char="•"/>
-        <a:defRPr sz="1800" kern="1200">
-          <a:solidFill>
-            <a:schemeClr val="tx1"/>
-          </a:solidFill>
-          <a:latin typeface="+mn-lt"/>
-          <a:ea typeface="+mn-ea"/>
-          <a:cs typeface="+mn-cs"/>
-        </a:defRPr>
-      </a:lvl9pPr>
-    </p:bodyStyle>
-    <p:otherStyle>
-      <a:defPPr>
-        <a:defRPr lang="pt-PT"/>
-      </a:defPPr>
-      <a:lvl1pPr marL="0" algn="l" defTabSz="914400" rtl="0" eaLnBrk="1" latinLnBrk="0" hangingPunct="1">
-        <a:defRPr sz="1800" kern="1200">
-          <a:solidFill>
-            <a:schemeClr val="tx1"/>
-          </a:solidFill>
-          <a:latin typeface="+mn-lt"/>
-          <a:ea typeface="+mn-ea"/>
-          <a:cs typeface="+mn-cs"/>
-        </a:defRPr>
-      </a:lvl1pPr>
-      <a:lvl2pPr marL="457200" algn="l" defTabSz="914400" rtl="0" eaLnBrk="1" latinLnBrk="0" hangingPunct="1">
-        <a:defRPr sz="1800" kern="1200">
-          <a:solidFill>
-            <a:schemeClr val="tx1"/>
-          </a:solidFill>
-          <a:latin typeface="+mn-lt"/>
-          <a:ea typeface="+mn-ea"/>
-          <a:cs typeface="+mn-cs"/>
-        </a:defRPr>
-      </a:lvl2pPr>
-      <a:lvl3pPr marL="914400" algn="l" defTabSz="914400" rtl="0" eaLnBrk="1" latinLnBrk="0" hangingPunct="1">
-        <a:defRPr sz="1800" kern="1200">
-          <a:solidFill>
-            <a:schemeClr val="tx1"/>
-          </a:solidFill>
-          <a:latin typeface="+mn-lt"/>
-          <a:ea typeface="+mn-ea"/>
-          <a:cs typeface="+mn-cs"/>
-        </a:defRPr>
-      </a:lvl3pPr>
-      <a:lvl4pPr marL="1371600" algn="l" defTabSz="914400" rtl="0" eaLnBrk="1" latinLnBrk="0" hangingPunct="1">
-        <a:defRPr sz="1800" kern="1200">
-          <a:solidFill>
-            <a:schemeClr val="tx1"/>
-          </a:solidFill>
-          <a:latin typeface="+mn-lt"/>
-          <a:ea typeface="+mn-ea"/>
-          <a:cs typeface="+mn-cs"/>
-        </a:defRPr>
-      </a:lvl4pPr>
-      <a:lvl5pPr marL="1828800" algn="l" defTabSz="914400" rtl="0" eaLnBrk="1" latinLnBrk="0" hangingPunct="1">
-        <a:defRPr sz="1800" kern="1200">
-          <a:solidFill>
-            <a:schemeClr val="tx1"/>
-          </a:solidFill>
-          <a:latin typeface="+mn-lt"/>
-          <a:ea typeface="+mn-ea"/>
-          <a:cs typeface="+mn-cs"/>
-        </a:defRPr>
-      </a:lvl5pPr>
-      <a:lvl6pPr marL="2286000" algn="l" defTabSz="914400" rtl="0" eaLnBrk="1" latinLnBrk="0" hangingPunct="1">
-        <a:defRPr sz="1800" kern="1200">
-          <a:solidFill>
-            <a:schemeClr val="tx1"/>
-          </a:solidFill>
-          <a:latin typeface="+mn-lt"/>
-          <a:ea typeface="+mn-ea"/>
-          <a:cs typeface="+mn-cs"/>
-        </a:defRPr>
-      </a:lvl6pPr>
-      <a:lvl7pPr marL="2743200" algn="l" defTabSz="914400" rtl="0" eaLnBrk="1" latinLnBrk="0" hangingPunct="1">
-        <a:defRPr sz="1800" kern="1200">
-          <a:solidFill>
-            <a:schemeClr val="tx1"/>
-          </a:solidFill>
-          <a:latin typeface="+mn-lt"/>
-          <a:ea typeface="+mn-ea"/>
-          <a:cs typeface="+mn-cs"/>
-        </a:defRPr>
-      </a:lvl7pPr>
-      <a:lvl8pPr marL="3200400" algn="l" defTabSz="914400" rtl="0" eaLnBrk="1" latinLnBrk="0" hangingPunct="1">
-        <a:defRPr sz="1800" kern="1200">
-          <a:solidFill>
-            <a:schemeClr val="tx1"/>
-          </a:solidFill>
-          <a:latin typeface="+mn-lt"/>
-          <a:ea typeface="+mn-ea"/>
-          <a:cs typeface="+mn-cs"/>
-        </a:defRPr>
-      </a:lvl8pPr>
-      <a:lvl9pPr marL="3657600" algn="l" defTabSz="914400" rtl="0" eaLnBrk="1" latinLnBrk="0" hangingPunct="1">
-        <a:defRPr sz="1800" kern="1200">
-          <a:solidFill>
-            <a:schemeClr val="tx1"/>
-          </a:solidFill>
-          <a:latin typeface="+mn-lt"/>
-          <a:ea typeface="+mn-ea"/>
-          <a:cs typeface="+mn-cs"/>
-        </a:defRPr>
-      </a:lvl9pPr>
-    </p:otherStyle>
-  </p:txStyles>
-  <p:extLst mod="1">
-    <p:ext uri="{27BBF7A9-308A-43DC-89C8-2F10F3537804}">
-      <p15:sldGuideLst xmlns="" xmlns:p15="http://schemas.microsoft.com/office/powerpoint/2012/main">
-        <p15:guide id="1" orient="horz" pos="255" userDrawn="1">
-          <p15:clr>
-            <a:srgbClr val="F26B43"/>
-          </p15:clr>
-        </p15:guide>
-        <p15:guide id="2" pos="257" userDrawn="1">
-          <p15:clr>
-            <a:srgbClr val="F26B43"/>
-          </p15:clr>
-        </p15:guide>
-        <p15:guide id="3" pos="7423" userDrawn="1">
           <p15:clr>
             <a:srgbClr val="F26B43"/>
           </p15:clr>
@@ -9735,7 +6058,7 @@
           <p:cNvPr id="5" name="Subtitle 4">
             <a:extLst>
               <a:ext uri="{FF2B5EF4-FFF2-40B4-BE49-F238E27FC236}">
-                <a16:creationId xmlns="" xmlns:a16="http://schemas.microsoft.com/office/drawing/2014/main" id="{CDAD4CD6-0D42-4B53-A553-167F9F359564}"/>
+                <a16:creationId xmlns:a16="http://schemas.microsoft.com/office/drawing/2014/main" xmlns="" id="{CDAD4CD6-0D42-4B53-A553-167F9F359564}"/>
               </a:ext>
             </a:extLst>
           </p:cNvPr>
@@ -9868,7 +6191,7 @@
     </p:spTree>
     <p:extLst>
       <p:ext uri="{BB962C8B-B14F-4D97-AF65-F5344CB8AC3E}">
-        <p14:creationId xmlns="" xmlns:p14="http://schemas.microsoft.com/office/powerpoint/2010/main" val="1068206032"/>
+        <p14:creationId xmlns:p14="http://schemas.microsoft.com/office/powerpoint/2010/main" xmlns="" val="1068206032"/>
       </p:ext>
     </p:extLst>
   </p:cSld>
@@ -9876,7 +6199,7 @@
     <a:masterClrMapping/>
   </p:clrMapOvr>
   <mc:AlternateContent xmlns:mc="http://schemas.openxmlformats.org/markup-compatibility/2006">
-    <mc:Choice xmlns="" xmlns:p14="http://schemas.microsoft.com/office/powerpoint/2010/main" Requires="p14">
+    <mc:Choice xmlns:p14="http://schemas.microsoft.com/office/powerpoint/2010/main" xmlns="" Requires="p14">
       <p:transition spd="med" p14:dur="700">
         <p:fade/>
       </p:transition>
@@ -10104,7 +6427,7 @@
         </p:nvPicPr>
         <p:blipFill>
           <a:blip r:embed="rId3" cstate="print"/>
-          <a:srcRect l="7480" t="4815" r="7127" b="5297"/>
+          <a:srcRect/>
           <a:stretch>
             <a:fillRect/>
           </a:stretch>
@@ -10123,7 +6446,7 @@
     </p:spTree>
     <p:extLst>
       <p:ext uri="{BB962C8B-B14F-4D97-AF65-F5344CB8AC3E}">
-        <p14:creationId xmlns="" xmlns:p14="http://schemas.microsoft.com/office/powerpoint/2010/main" val="3614825301"/>
+        <p14:creationId xmlns:p14="http://schemas.microsoft.com/office/powerpoint/2010/main" xmlns="" val="3614825301"/>
       </p:ext>
     </p:extLst>
   </p:cSld>
@@ -10320,16 +6643,7 @@
                 <a:cs typeface="Calibri"/>
                 <a:sym typeface="Calibri"/>
               </a:rPr>
-              <a:t>romanos </a:t>
-            </a:r>
-            <a:r>
-              <a:rPr lang="es-ES" sz="2000" smtClean="0">
-                <a:latin typeface="Calibri"/>
-                <a:ea typeface="Calibri"/>
-                <a:cs typeface="Calibri"/>
-                <a:sym typeface="Calibri"/>
-              </a:rPr>
-              <a:t>modernos </a:t>
+              <a:t>romanos modernos </a:t>
             </a:r>
             <a:r>
               <a:rPr lang="es-ES" sz="2000" dirty="0" smtClean="0">
@@ -10640,7 +6954,7 @@
     </p:spTree>
     <p:extLst>
       <p:ext uri="{BB962C8B-B14F-4D97-AF65-F5344CB8AC3E}">
-        <p14:creationId xmlns="" xmlns:p14="http://schemas.microsoft.com/office/powerpoint/2010/main" val="223235735"/>
+        <p14:creationId xmlns:p14="http://schemas.microsoft.com/office/powerpoint/2010/main" xmlns="" val="223235735"/>
       </p:ext>
     </p:extLst>
   </p:cSld>
@@ -11122,7 +7436,7 @@
     </p:spTree>
     <p:extLst>
       <p:ext uri="{BB962C8B-B14F-4D97-AF65-F5344CB8AC3E}">
-        <p14:creationId xmlns="" xmlns:p14="http://schemas.microsoft.com/office/powerpoint/2010/main" val="2871526943"/>
+        <p14:creationId xmlns:p14="http://schemas.microsoft.com/office/powerpoint/2010/main" xmlns="" val="2871526943"/>
       </p:ext>
     </p:extLst>
   </p:cSld>
@@ -11180,7 +7494,7 @@
     </p:spTree>
     <p:extLst>
       <p:ext uri="{BB962C8B-B14F-4D97-AF65-F5344CB8AC3E}">
-        <p14:creationId xmlns="" xmlns:p14="http://schemas.microsoft.com/office/powerpoint/2010/main" val="1545407803"/>
+        <p14:creationId xmlns:p14="http://schemas.microsoft.com/office/powerpoint/2010/main" xmlns="" val="1545407803"/>
       </p:ext>
     </p:extLst>
   </p:cSld>
@@ -11385,214 +7699,13 @@
   <a:extraClrSchemeLst/>
   <a:extLst>
     <a:ext uri="{05A4C25C-085E-4340-85A3-A5531E510DB2}">
-      <thm15:themeFamily xmlns="" xmlns:thm15="http://schemas.microsoft.com/office/thememl/2012/main" name="Présentation1" id="{F4EDDD86-B8A8-46E1-81BA-C40220CF151C}" vid="{D76BB8BF-901C-4709-A70B-B9D859909653}"/>
+      <thm15:themeFamily xmlns:thm15="http://schemas.microsoft.com/office/thememl/2012/main" xmlns="" name="Présentation1" id="{F4EDDD86-B8A8-46E1-81BA-C40220CF151C}" vid="{D76BB8BF-901C-4709-A70B-B9D859909653}"/>
     </a:ext>
   </a:extLst>
 </a:theme>
 </file>
 
 <file path=ppt/theme/theme2.xml><?xml version="1.0" encoding="utf-8"?>
-<a:theme xmlns:a="http://schemas.openxmlformats.org/drawingml/2006/main" name="Section slides">
-  <a:themeElements>
-    <a:clrScheme name="New-CG">
-      <a:dk1>
-        <a:srgbClr val="000000"/>
-      </a:dk1>
-      <a:lt1>
-        <a:sysClr val="window" lastClr="FFFFFF"/>
-      </a:lt1>
-      <a:dk2>
-        <a:srgbClr val="0070AD"/>
-      </a:dk2>
-      <a:lt2>
-        <a:srgbClr val="EDEDED"/>
-      </a:lt2>
-      <a:accent1>
-        <a:srgbClr val="0070AD"/>
-      </a:accent1>
-      <a:accent2>
-        <a:srgbClr val="12ABDB"/>
-      </a:accent2>
-      <a:accent3>
-        <a:srgbClr val="2B0A3D"/>
-      </a:accent3>
-      <a:accent4>
-        <a:srgbClr val="FF304C"/>
-      </a:accent4>
-      <a:accent5>
-        <a:srgbClr val="95E616"/>
-      </a:accent5>
-      <a:accent6>
-        <a:srgbClr val="C2CF00"/>
-      </a:accent6>
-      <a:hlink>
-        <a:srgbClr val="005481"/>
-      </a:hlink>
-      <a:folHlink>
-        <a:srgbClr val="861763"/>
-      </a:folHlink>
-    </a:clrScheme>
-    <a:fontScheme name="Capgemini">
-      <a:majorFont>
-        <a:latin typeface="Verdana"/>
-        <a:ea typeface=""/>
-        <a:cs typeface=""/>
-      </a:majorFont>
-      <a:minorFont>
-        <a:latin typeface="Verdana"/>
-        <a:ea typeface=""/>
-        <a:cs typeface=""/>
-      </a:minorFont>
-    </a:fontScheme>
-    <a:fmtScheme name="Office">
-      <a:fillStyleLst>
-        <a:solidFill>
-          <a:schemeClr val="phClr"/>
-        </a:solidFill>
-        <a:gradFill rotWithShape="1">
-          <a:gsLst>
-            <a:gs pos="0">
-              <a:schemeClr val="phClr">
-                <a:lumMod val="110000"/>
-                <a:satMod val="105000"/>
-                <a:tint val="67000"/>
-              </a:schemeClr>
-            </a:gs>
-            <a:gs pos="50000">
-              <a:schemeClr val="phClr">
-                <a:lumMod val="105000"/>
-                <a:satMod val="103000"/>
-                <a:tint val="73000"/>
-              </a:schemeClr>
-            </a:gs>
-            <a:gs pos="100000">
-              <a:schemeClr val="phClr">
-                <a:lumMod val="105000"/>
-                <a:satMod val="109000"/>
-                <a:tint val="81000"/>
-              </a:schemeClr>
-            </a:gs>
-          </a:gsLst>
-          <a:lin ang="5400000" scaled="0"/>
-        </a:gradFill>
-        <a:gradFill rotWithShape="1">
-          <a:gsLst>
-            <a:gs pos="0">
-              <a:schemeClr val="phClr">
-                <a:satMod val="103000"/>
-                <a:lumMod val="102000"/>
-                <a:tint val="94000"/>
-              </a:schemeClr>
-            </a:gs>
-            <a:gs pos="50000">
-              <a:schemeClr val="phClr">
-                <a:satMod val="110000"/>
-                <a:lumMod val="100000"/>
-                <a:shade val="100000"/>
-              </a:schemeClr>
-            </a:gs>
-            <a:gs pos="100000">
-              <a:schemeClr val="phClr">
-                <a:lumMod val="99000"/>
-                <a:satMod val="120000"/>
-                <a:shade val="78000"/>
-              </a:schemeClr>
-            </a:gs>
-          </a:gsLst>
-          <a:lin ang="5400000" scaled="0"/>
-        </a:gradFill>
-      </a:fillStyleLst>
-      <a:lnStyleLst>
-        <a:ln w="6350" cap="flat" cmpd="sng" algn="ctr">
-          <a:solidFill>
-            <a:schemeClr val="phClr"/>
-          </a:solidFill>
-          <a:prstDash val="solid"/>
-          <a:miter lim="800000"/>
-        </a:ln>
-        <a:ln w="12700" cap="flat" cmpd="sng" algn="ctr">
-          <a:solidFill>
-            <a:schemeClr val="phClr"/>
-          </a:solidFill>
-          <a:prstDash val="solid"/>
-          <a:miter lim="800000"/>
-        </a:ln>
-        <a:ln w="19050" cap="flat" cmpd="sng" algn="ctr">
-          <a:solidFill>
-            <a:schemeClr val="phClr"/>
-          </a:solidFill>
-          <a:prstDash val="solid"/>
-          <a:miter lim="800000"/>
-        </a:ln>
-      </a:lnStyleLst>
-      <a:effectStyleLst>
-        <a:effectStyle>
-          <a:effectLst/>
-        </a:effectStyle>
-        <a:effectStyle>
-          <a:effectLst/>
-        </a:effectStyle>
-        <a:effectStyle>
-          <a:effectLst>
-            <a:outerShdw blurRad="57150" dist="19050" dir="5400000" algn="ctr" rotWithShape="0">
-              <a:srgbClr val="000000">
-                <a:alpha val="63000"/>
-              </a:srgbClr>
-            </a:outerShdw>
-          </a:effectLst>
-        </a:effectStyle>
-      </a:effectStyleLst>
-      <a:bgFillStyleLst>
-        <a:solidFill>
-          <a:schemeClr val="phClr"/>
-        </a:solidFill>
-        <a:solidFill>
-          <a:schemeClr val="phClr">
-            <a:tint val="95000"/>
-            <a:satMod val="170000"/>
-          </a:schemeClr>
-        </a:solidFill>
-        <a:gradFill rotWithShape="1">
-          <a:gsLst>
-            <a:gs pos="0">
-              <a:schemeClr val="phClr">
-                <a:tint val="93000"/>
-                <a:satMod val="150000"/>
-                <a:shade val="98000"/>
-                <a:lumMod val="102000"/>
-              </a:schemeClr>
-            </a:gs>
-            <a:gs pos="50000">
-              <a:schemeClr val="phClr">
-                <a:tint val="98000"/>
-                <a:satMod val="130000"/>
-                <a:shade val="90000"/>
-                <a:lumMod val="103000"/>
-              </a:schemeClr>
-            </a:gs>
-            <a:gs pos="100000">
-              <a:schemeClr val="phClr">
-                <a:shade val="63000"/>
-                <a:satMod val="120000"/>
-              </a:schemeClr>
-            </a:gs>
-          </a:gsLst>
-          <a:lin ang="5400000" scaled="0"/>
-        </a:gradFill>
-      </a:bgFillStyleLst>
-    </a:fmtScheme>
-  </a:themeElements>
-  <a:objectDefaults/>
-  <a:extraClrSchemeLst/>
-  <a:extLst>
-    <a:ext uri="{05A4C25C-085E-4340-85A3-A5531E510DB2}">
-      <thm15:themeFamily xmlns="" xmlns:thm15="http://schemas.microsoft.com/office/thememl/2012/main" name="Présentation1" id="{F4EDDD86-B8A8-46E1-81BA-C40220CF151C}" vid="{B504A320-BF0C-4A8E-8664-9644A9AF95DC}"/>
-    </a:ext>
-  </a:extLst>
-</a:theme>
-</file>
-
-<file path=ppt/theme/theme3.xml><?xml version="1.0" encoding="utf-8"?>
 <a:theme xmlns:a="http://schemas.openxmlformats.org/drawingml/2006/main" name="Content Layouts">
   <a:themeElements>
     <a:clrScheme name="New-CG">
@@ -11787,214 +7900,13 @@
   <a:extraClrSchemeLst/>
   <a:extLst>
     <a:ext uri="{05A4C25C-085E-4340-85A3-A5531E510DB2}">
-      <thm15:themeFamily xmlns="" xmlns:thm15="http://schemas.microsoft.com/office/thememl/2012/main" name="Présentation1" id="{F4EDDD86-B8A8-46E1-81BA-C40220CF151C}" vid="{14D83F11-89F6-4441-B5DC-94FD0DFB8031}"/>
+      <thm15:themeFamily xmlns:thm15="http://schemas.microsoft.com/office/thememl/2012/main" xmlns="" name="Présentation1" id="{F4EDDD86-B8A8-46E1-81BA-C40220CF151C}" vid="{14D83F11-89F6-4441-B5DC-94FD0DFB8031}"/>
     </a:ext>
   </a:extLst>
 </a:theme>
 </file>
 
-<file path=ppt/theme/theme4.xml><?xml version="1.0" encoding="utf-8"?>
-<a:theme xmlns:a="http://schemas.openxmlformats.org/drawingml/2006/main" name="Content and Image Layouts">
-  <a:themeElements>
-    <a:clrScheme name="New-CG">
-      <a:dk1>
-        <a:srgbClr val="000000"/>
-      </a:dk1>
-      <a:lt1>
-        <a:sysClr val="window" lastClr="FFFFFF"/>
-      </a:lt1>
-      <a:dk2>
-        <a:srgbClr val="0070AD"/>
-      </a:dk2>
-      <a:lt2>
-        <a:srgbClr val="EDEDED"/>
-      </a:lt2>
-      <a:accent1>
-        <a:srgbClr val="0070AD"/>
-      </a:accent1>
-      <a:accent2>
-        <a:srgbClr val="12ABDB"/>
-      </a:accent2>
-      <a:accent3>
-        <a:srgbClr val="2B0A3D"/>
-      </a:accent3>
-      <a:accent4>
-        <a:srgbClr val="FF304C"/>
-      </a:accent4>
-      <a:accent5>
-        <a:srgbClr val="95E616"/>
-      </a:accent5>
-      <a:accent6>
-        <a:srgbClr val="C2CF00"/>
-      </a:accent6>
-      <a:hlink>
-        <a:srgbClr val="005481"/>
-      </a:hlink>
-      <a:folHlink>
-        <a:srgbClr val="861763"/>
-      </a:folHlink>
-    </a:clrScheme>
-    <a:fontScheme name="Capgemini">
-      <a:majorFont>
-        <a:latin typeface="Verdana"/>
-        <a:ea typeface=""/>
-        <a:cs typeface=""/>
-      </a:majorFont>
-      <a:minorFont>
-        <a:latin typeface="Verdana"/>
-        <a:ea typeface=""/>
-        <a:cs typeface=""/>
-      </a:minorFont>
-    </a:fontScheme>
-    <a:fmtScheme name="Office">
-      <a:fillStyleLst>
-        <a:solidFill>
-          <a:schemeClr val="phClr"/>
-        </a:solidFill>
-        <a:gradFill rotWithShape="1">
-          <a:gsLst>
-            <a:gs pos="0">
-              <a:schemeClr val="phClr">
-                <a:lumMod val="110000"/>
-                <a:satMod val="105000"/>
-                <a:tint val="67000"/>
-              </a:schemeClr>
-            </a:gs>
-            <a:gs pos="50000">
-              <a:schemeClr val="phClr">
-                <a:lumMod val="105000"/>
-                <a:satMod val="103000"/>
-                <a:tint val="73000"/>
-              </a:schemeClr>
-            </a:gs>
-            <a:gs pos="100000">
-              <a:schemeClr val="phClr">
-                <a:lumMod val="105000"/>
-                <a:satMod val="109000"/>
-                <a:tint val="81000"/>
-              </a:schemeClr>
-            </a:gs>
-          </a:gsLst>
-          <a:lin ang="5400000" scaled="0"/>
-        </a:gradFill>
-        <a:gradFill rotWithShape="1">
-          <a:gsLst>
-            <a:gs pos="0">
-              <a:schemeClr val="phClr">
-                <a:satMod val="103000"/>
-                <a:lumMod val="102000"/>
-                <a:tint val="94000"/>
-              </a:schemeClr>
-            </a:gs>
-            <a:gs pos="50000">
-              <a:schemeClr val="phClr">
-                <a:satMod val="110000"/>
-                <a:lumMod val="100000"/>
-                <a:shade val="100000"/>
-              </a:schemeClr>
-            </a:gs>
-            <a:gs pos="100000">
-              <a:schemeClr val="phClr">
-                <a:lumMod val="99000"/>
-                <a:satMod val="120000"/>
-                <a:shade val="78000"/>
-              </a:schemeClr>
-            </a:gs>
-          </a:gsLst>
-          <a:lin ang="5400000" scaled="0"/>
-        </a:gradFill>
-      </a:fillStyleLst>
-      <a:lnStyleLst>
-        <a:ln w="6350" cap="flat" cmpd="sng" algn="ctr">
-          <a:solidFill>
-            <a:schemeClr val="phClr"/>
-          </a:solidFill>
-          <a:prstDash val="solid"/>
-          <a:miter lim="800000"/>
-        </a:ln>
-        <a:ln w="12700" cap="flat" cmpd="sng" algn="ctr">
-          <a:solidFill>
-            <a:schemeClr val="phClr"/>
-          </a:solidFill>
-          <a:prstDash val="solid"/>
-          <a:miter lim="800000"/>
-        </a:ln>
-        <a:ln w="19050" cap="flat" cmpd="sng" algn="ctr">
-          <a:solidFill>
-            <a:schemeClr val="phClr"/>
-          </a:solidFill>
-          <a:prstDash val="solid"/>
-          <a:miter lim="800000"/>
-        </a:ln>
-      </a:lnStyleLst>
-      <a:effectStyleLst>
-        <a:effectStyle>
-          <a:effectLst/>
-        </a:effectStyle>
-        <a:effectStyle>
-          <a:effectLst/>
-        </a:effectStyle>
-        <a:effectStyle>
-          <a:effectLst>
-            <a:outerShdw blurRad="57150" dist="19050" dir="5400000" algn="ctr" rotWithShape="0">
-              <a:srgbClr val="000000">
-                <a:alpha val="63000"/>
-              </a:srgbClr>
-            </a:outerShdw>
-          </a:effectLst>
-        </a:effectStyle>
-      </a:effectStyleLst>
-      <a:bgFillStyleLst>
-        <a:solidFill>
-          <a:schemeClr val="phClr"/>
-        </a:solidFill>
-        <a:solidFill>
-          <a:schemeClr val="phClr">
-            <a:tint val="95000"/>
-            <a:satMod val="170000"/>
-          </a:schemeClr>
-        </a:solidFill>
-        <a:gradFill rotWithShape="1">
-          <a:gsLst>
-            <a:gs pos="0">
-              <a:schemeClr val="phClr">
-                <a:tint val="93000"/>
-                <a:satMod val="150000"/>
-                <a:shade val="98000"/>
-                <a:lumMod val="102000"/>
-              </a:schemeClr>
-            </a:gs>
-            <a:gs pos="50000">
-              <a:schemeClr val="phClr">
-                <a:tint val="98000"/>
-                <a:satMod val="130000"/>
-                <a:shade val="90000"/>
-                <a:lumMod val="103000"/>
-              </a:schemeClr>
-            </a:gs>
-            <a:gs pos="100000">
-              <a:schemeClr val="phClr">
-                <a:shade val="63000"/>
-                <a:satMod val="120000"/>
-              </a:schemeClr>
-            </a:gs>
-          </a:gsLst>
-          <a:lin ang="5400000" scaled="0"/>
-        </a:gradFill>
-      </a:bgFillStyleLst>
-    </a:fmtScheme>
-  </a:themeElements>
-  <a:objectDefaults/>
-  <a:extraClrSchemeLst/>
-  <a:extLst>
-    <a:ext uri="{05A4C25C-085E-4340-85A3-A5531E510DB2}">
-      <thm15:themeFamily xmlns="" xmlns:thm15="http://schemas.microsoft.com/office/thememl/2012/main" name="Présentation1" id="{F4EDDD86-B8A8-46E1-81BA-C40220CF151C}" vid="{B065CD12-128C-4DBC-873E-82FC4B88A761}"/>
-    </a:ext>
-  </a:extLst>
-</a:theme>
-</file>
-
-<file path=ppt/theme/theme5.xml><?xml version="1.0" encoding="utf-8"?>
+<file path=ppt/theme/theme3.xml><?xml version="1.0" encoding="utf-8"?>
 <a:theme xmlns:a="http://schemas.openxmlformats.org/drawingml/2006/main" name="Tema do Office">
   <a:themeElements>
     <a:clrScheme name="Office">
@@ -12283,13 +8195,13 @@
   <a:extraClrSchemeLst/>
   <a:extLst>
     <a:ext uri="{05A4C25C-085E-4340-85A3-A5531E510DB2}">
-      <thm15:themeFamily xmlns="" xmlns:thm15="http://schemas.microsoft.com/office/thememl/2012/main" name="Office Theme" id="{62F939B6-93AF-4DB8-9C6B-D6C7DFDC589F}" vid="{4A3C46E8-61CC-4603-A589-7422A47A8E4A}"/>
+      <thm15:themeFamily xmlns:thm15="http://schemas.microsoft.com/office/thememl/2012/main" xmlns="" name="Office Theme" id="{62F939B6-93AF-4DB8-9C6B-D6C7DFDC589F}" vid="{4A3C46E8-61CC-4603-A589-7422A47A8E4A}"/>
     </a:ext>
   </a:extLst>
 </a:theme>
 </file>
 
-<file path=ppt/theme/theme6.xml><?xml version="1.0" encoding="utf-8"?>
+<file path=ppt/theme/theme4.xml><?xml version="1.0" encoding="utf-8"?>
 <a:theme xmlns:a="http://schemas.openxmlformats.org/drawingml/2006/main" name="Office Theme">
   <a:themeElements>
     <a:clrScheme name="Office">
@@ -12578,7 +8490,7 @@
   <a:extraClrSchemeLst/>
   <a:extLst>
     <a:ext uri="{05A4C25C-085E-4340-85A3-A5531E510DB2}">
-      <thm15:themeFamily xmlns="" xmlns:thm15="http://schemas.microsoft.com/office/thememl/2012/main" name="Office Theme" id="{62F939B6-93AF-4DB8-9C6B-D6C7DFDC589F}" vid="{4A3C46E8-61CC-4603-A589-7422A47A8E4A}"/>
+      <thm15:themeFamily xmlns:thm15="http://schemas.microsoft.com/office/thememl/2012/main" xmlns="" name="Office Theme" id="{62F939B6-93AF-4DB8-9C6B-D6C7DFDC589F}" vid="{4A3C46E8-61CC-4603-A589-7422A47A8E4A}"/>
     </a:ext>
   </a:extLst>
 </a:theme>
